--- a/docs/pre_present_draft.pptx
+++ b/docs/pre_present_draft.pptx
@@ -2,8 +2,11 @@
 <file path=ppt/presentation.xml><?xml version="1.0" encoding="utf-8"?>
 <p:presentation xmlns:a="http://schemas.openxmlformats.org/drawingml/2006/main" xmlns:r="http://schemas.openxmlformats.org/officeDocument/2006/relationships" xmlns:p="http://schemas.openxmlformats.org/presentationml/2006/main" saveSubsetFonts="1">
   <p:sldMasterIdLst>
-    <p:sldMasterId id="2147483648" r:id="rId1"/>
+    <p:sldMasterId id="2147483660" r:id="rId1"/>
   </p:sldMasterIdLst>
+  <p:notesMasterIdLst>
+    <p:notesMasterId r:id="rId16"/>
+  </p:notesMasterIdLst>
   <p:sldIdLst>
     <p:sldId id="256" r:id="rId2"/>
     <p:sldId id="257" r:id="rId3"/>
@@ -117,11 +120,724 @@
       </a:defRPr>
     </a:lvl9pPr>
   </p:defaultTextStyle>
+  <p:extLst>
+    <p:ext uri="{EFAFB233-063F-42B5-8137-9DF3F51BA10A}">
+      <p15:sldGuideLst xmlns:p15="http://schemas.microsoft.com/office/powerpoint/2012/main"/>
+    </p:ext>
+  </p:extLst>
 </p:presentation>
 </file>
 
+<file path=ppt/notesMasters/notesMaster1.xml><?xml version="1.0" encoding="utf-8"?>
+<p:notesMaster xmlns:a="http://schemas.openxmlformats.org/drawingml/2006/main" xmlns:r="http://schemas.openxmlformats.org/officeDocument/2006/relationships" xmlns:p="http://schemas.openxmlformats.org/presentationml/2006/main">
+  <p:cSld>
+    <p:bg>
+      <p:bgRef idx="1001">
+        <a:schemeClr val="bg1"/>
+      </p:bgRef>
+    </p:bg>
+    <p:spTree>
+      <p:nvGrpSpPr>
+        <p:cNvPr id="1" name=""/>
+        <p:cNvGrpSpPr/>
+        <p:nvPr/>
+      </p:nvGrpSpPr>
+      <p:grpSpPr>
+        <a:xfrm>
+          <a:off x="0" y="0"/>
+          <a:ext cx="0" cy="0"/>
+          <a:chOff x="0" y="0"/>
+          <a:chExt cx="0" cy="0"/>
+        </a:xfrm>
+      </p:grpSpPr>
+      <p:sp>
+        <p:nvSpPr>
+          <p:cNvPr id="2" name="Header Placeholder 1"/>
+          <p:cNvSpPr>
+            <a:spLocks noGrp="1"/>
+          </p:cNvSpPr>
+          <p:nvPr>
+            <p:ph type="hdr" sz="quarter"/>
+          </p:nvPr>
+        </p:nvSpPr>
+        <p:spPr>
+          <a:xfrm>
+            <a:off x="0" y="0"/>
+            <a:ext cx="2971800" cy="458788"/>
+          </a:xfrm>
+          <a:prstGeom prst="rect">
+            <a:avLst/>
+          </a:prstGeom>
+        </p:spPr>
+        <p:txBody>
+          <a:bodyPr vert="horz" lIns="91440" tIns="45720" rIns="91440" bIns="45720" rtlCol="0"/>
+          <a:lstStyle>
+            <a:lvl1pPr algn="l">
+              <a:defRPr sz="1200"/>
+            </a:lvl1pPr>
+          </a:lstStyle>
+          <a:p>
+            <a:endParaRPr lang="en-US"/>
+          </a:p>
+        </p:txBody>
+      </p:sp>
+      <p:sp>
+        <p:nvSpPr>
+          <p:cNvPr id="3" name="Date Placeholder 2"/>
+          <p:cNvSpPr>
+            <a:spLocks noGrp="1"/>
+          </p:cNvSpPr>
+          <p:nvPr>
+            <p:ph type="dt" idx="1"/>
+          </p:nvPr>
+        </p:nvSpPr>
+        <p:spPr>
+          <a:xfrm>
+            <a:off x="3884613" y="0"/>
+            <a:ext cx="2971800" cy="458788"/>
+          </a:xfrm>
+          <a:prstGeom prst="rect">
+            <a:avLst/>
+          </a:prstGeom>
+        </p:spPr>
+        <p:txBody>
+          <a:bodyPr vert="horz" lIns="91440" tIns="45720" rIns="91440" bIns="45720" rtlCol="0"/>
+          <a:lstStyle>
+            <a:lvl1pPr algn="r">
+              <a:defRPr sz="1200"/>
+            </a:lvl1pPr>
+          </a:lstStyle>
+          <a:p>
+            <a:fld id="{B62D1DE2-2508-4313-8AF9-1EF20E0360EA}" type="datetimeFigureOut">
+              <a:rPr lang="en-US" smtClean="0"/>
+              <a:t>9/28/2015</a:t>
+            </a:fld>
+            <a:endParaRPr lang="en-US"/>
+          </a:p>
+        </p:txBody>
+      </p:sp>
+      <p:sp>
+        <p:nvSpPr>
+          <p:cNvPr id="4" name="Slide Image Placeholder 3"/>
+          <p:cNvSpPr>
+            <a:spLocks noGrp="1" noRot="1" noChangeAspect="1"/>
+          </p:cNvSpPr>
+          <p:nvPr>
+            <p:ph type="sldImg" idx="2"/>
+          </p:nvPr>
+        </p:nvSpPr>
+        <p:spPr>
+          <a:xfrm>
+            <a:off x="685800" y="1143000"/>
+            <a:ext cx="5486400" cy="3086100"/>
+          </a:xfrm>
+          <a:prstGeom prst="rect">
+            <a:avLst/>
+          </a:prstGeom>
+          <a:noFill/>
+          <a:ln w="12700">
+            <a:solidFill>
+              <a:prstClr val="black"/>
+            </a:solidFill>
+          </a:ln>
+        </p:spPr>
+        <p:txBody>
+          <a:bodyPr vert="horz" lIns="91440" tIns="45720" rIns="91440" bIns="45720" rtlCol="0" anchor="ctr"/>
+          <a:lstStyle/>
+          <a:p>
+            <a:endParaRPr lang="en-US"/>
+          </a:p>
+        </p:txBody>
+      </p:sp>
+      <p:sp>
+        <p:nvSpPr>
+          <p:cNvPr id="5" name="Notes Placeholder 4"/>
+          <p:cNvSpPr>
+            <a:spLocks noGrp="1"/>
+          </p:cNvSpPr>
+          <p:nvPr>
+            <p:ph type="body" sz="quarter" idx="3"/>
+          </p:nvPr>
+        </p:nvSpPr>
+        <p:spPr>
+          <a:xfrm>
+            <a:off x="685800" y="4400550"/>
+            <a:ext cx="5486400" cy="3600450"/>
+          </a:xfrm>
+          <a:prstGeom prst="rect">
+            <a:avLst/>
+          </a:prstGeom>
+        </p:spPr>
+        <p:txBody>
+          <a:bodyPr vert="horz" lIns="91440" tIns="45720" rIns="91440" bIns="45720" rtlCol="0"/>
+          <a:lstStyle/>
+          <a:p>
+            <a:pPr lvl="0"/>
+            <a:r>
+              <a:rPr lang="en-US" smtClean="0"/>
+              <a:t>Click to edit Master text styles</a:t>
+            </a:r>
+          </a:p>
+          <a:p>
+            <a:pPr lvl="1"/>
+            <a:r>
+              <a:rPr lang="en-US" smtClean="0"/>
+              <a:t>Second level</a:t>
+            </a:r>
+          </a:p>
+          <a:p>
+            <a:pPr lvl="2"/>
+            <a:r>
+              <a:rPr lang="en-US" smtClean="0"/>
+              <a:t>Third level</a:t>
+            </a:r>
+          </a:p>
+          <a:p>
+            <a:pPr lvl="3"/>
+            <a:r>
+              <a:rPr lang="en-US" smtClean="0"/>
+              <a:t>Fourth level</a:t>
+            </a:r>
+          </a:p>
+          <a:p>
+            <a:pPr lvl="4"/>
+            <a:r>
+              <a:rPr lang="en-US" smtClean="0"/>
+              <a:t>Fifth level</a:t>
+            </a:r>
+            <a:endParaRPr lang="en-US"/>
+          </a:p>
+        </p:txBody>
+      </p:sp>
+      <p:sp>
+        <p:nvSpPr>
+          <p:cNvPr id="6" name="Footer Placeholder 5"/>
+          <p:cNvSpPr>
+            <a:spLocks noGrp="1"/>
+          </p:cNvSpPr>
+          <p:nvPr>
+            <p:ph type="ftr" sz="quarter" idx="4"/>
+          </p:nvPr>
+        </p:nvSpPr>
+        <p:spPr>
+          <a:xfrm>
+            <a:off x="0" y="8685213"/>
+            <a:ext cx="2971800" cy="458787"/>
+          </a:xfrm>
+          <a:prstGeom prst="rect">
+            <a:avLst/>
+          </a:prstGeom>
+        </p:spPr>
+        <p:txBody>
+          <a:bodyPr vert="horz" lIns="91440" tIns="45720" rIns="91440" bIns="45720" rtlCol="0" anchor="b"/>
+          <a:lstStyle>
+            <a:lvl1pPr algn="l">
+              <a:defRPr sz="1200"/>
+            </a:lvl1pPr>
+          </a:lstStyle>
+          <a:p>
+            <a:endParaRPr lang="en-US"/>
+          </a:p>
+        </p:txBody>
+      </p:sp>
+      <p:sp>
+        <p:nvSpPr>
+          <p:cNvPr id="7" name="Slide Number Placeholder 6"/>
+          <p:cNvSpPr>
+            <a:spLocks noGrp="1"/>
+          </p:cNvSpPr>
+          <p:nvPr>
+            <p:ph type="sldNum" sz="quarter" idx="5"/>
+          </p:nvPr>
+        </p:nvSpPr>
+        <p:spPr>
+          <a:xfrm>
+            <a:off x="3884613" y="8685213"/>
+            <a:ext cx="2971800" cy="458787"/>
+          </a:xfrm>
+          <a:prstGeom prst="rect">
+            <a:avLst/>
+          </a:prstGeom>
+        </p:spPr>
+        <p:txBody>
+          <a:bodyPr vert="horz" lIns="91440" tIns="45720" rIns="91440" bIns="45720" rtlCol="0" anchor="b"/>
+          <a:lstStyle>
+            <a:lvl1pPr algn="r">
+              <a:defRPr sz="1200"/>
+            </a:lvl1pPr>
+          </a:lstStyle>
+          <a:p>
+            <a:fld id="{8AA1C862-A304-482B-8025-78B3E03A90C2}" type="slidenum">
+              <a:rPr lang="en-US" smtClean="0"/>
+              <a:t>‹#›</a:t>
+            </a:fld>
+            <a:endParaRPr lang="en-US"/>
+          </a:p>
+        </p:txBody>
+      </p:sp>
+    </p:spTree>
+    <p:extLst>
+      <p:ext uri="{BB962C8B-B14F-4D97-AF65-F5344CB8AC3E}">
+        <p14:creationId xmlns:p14="http://schemas.microsoft.com/office/powerpoint/2010/main" val="2925214891"/>
+      </p:ext>
+    </p:extLst>
+  </p:cSld>
+  <p:clrMap bg1="lt1" tx1="dk1" bg2="lt2" tx2="dk2" accent1="accent1" accent2="accent2" accent3="accent3" accent4="accent4" accent5="accent5" accent6="accent6" hlink="hlink" folHlink="folHlink"/>
+  <p:notesStyle>
+    <a:lvl1pPr marL="0" algn="l" defTabSz="914400" rtl="0" eaLnBrk="1" latinLnBrk="0" hangingPunct="1">
+      <a:defRPr sz="1200" kern="1200">
+        <a:solidFill>
+          <a:schemeClr val="tx1"/>
+        </a:solidFill>
+        <a:latin typeface="+mn-lt"/>
+        <a:ea typeface="+mn-ea"/>
+        <a:cs typeface="+mn-cs"/>
+      </a:defRPr>
+    </a:lvl1pPr>
+    <a:lvl2pPr marL="457200" algn="l" defTabSz="914400" rtl="0" eaLnBrk="1" latinLnBrk="0" hangingPunct="1">
+      <a:defRPr sz="1200" kern="1200">
+        <a:solidFill>
+          <a:schemeClr val="tx1"/>
+        </a:solidFill>
+        <a:latin typeface="+mn-lt"/>
+        <a:ea typeface="+mn-ea"/>
+        <a:cs typeface="+mn-cs"/>
+      </a:defRPr>
+    </a:lvl2pPr>
+    <a:lvl3pPr marL="914400" algn="l" defTabSz="914400" rtl="0" eaLnBrk="1" latinLnBrk="0" hangingPunct="1">
+      <a:defRPr sz="1200" kern="1200">
+        <a:solidFill>
+          <a:schemeClr val="tx1"/>
+        </a:solidFill>
+        <a:latin typeface="+mn-lt"/>
+        <a:ea typeface="+mn-ea"/>
+        <a:cs typeface="+mn-cs"/>
+      </a:defRPr>
+    </a:lvl3pPr>
+    <a:lvl4pPr marL="1371600" algn="l" defTabSz="914400" rtl="0" eaLnBrk="1" latinLnBrk="0" hangingPunct="1">
+      <a:defRPr sz="1200" kern="1200">
+        <a:solidFill>
+          <a:schemeClr val="tx1"/>
+        </a:solidFill>
+        <a:latin typeface="+mn-lt"/>
+        <a:ea typeface="+mn-ea"/>
+        <a:cs typeface="+mn-cs"/>
+      </a:defRPr>
+    </a:lvl4pPr>
+    <a:lvl5pPr marL="1828800" algn="l" defTabSz="914400" rtl="0" eaLnBrk="1" latinLnBrk="0" hangingPunct="1">
+      <a:defRPr sz="1200" kern="1200">
+        <a:solidFill>
+          <a:schemeClr val="tx1"/>
+        </a:solidFill>
+        <a:latin typeface="+mn-lt"/>
+        <a:ea typeface="+mn-ea"/>
+        <a:cs typeface="+mn-cs"/>
+      </a:defRPr>
+    </a:lvl5pPr>
+    <a:lvl6pPr marL="2286000" algn="l" defTabSz="914400" rtl="0" eaLnBrk="1" latinLnBrk="0" hangingPunct="1">
+      <a:defRPr sz="1200" kern="1200">
+        <a:solidFill>
+          <a:schemeClr val="tx1"/>
+        </a:solidFill>
+        <a:latin typeface="+mn-lt"/>
+        <a:ea typeface="+mn-ea"/>
+        <a:cs typeface="+mn-cs"/>
+      </a:defRPr>
+    </a:lvl6pPr>
+    <a:lvl7pPr marL="2743200" algn="l" defTabSz="914400" rtl="0" eaLnBrk="1" latinLnBrk="0" hangingPunct="1">
+      <a:defRPr sz="1200" kern="1200">
+        <a:solidFill>
+          <a:schemeClr val="tx1"/>
+        </a:solidFill>
+        <a:latin typeface="+mn-lt"/>
+        <a:ea typeface="+mn-ea"/>
+        <a:cs typeface="+mn-cs"/>
+      </a:defRPr>
+    </a:lvl7pPr>
+    <a:lvl8pPr marL="3200400" algn="l" defTabSz="914400" rtl="0" eaLnBrk="1" latinLnBrk="0" hangingPunct="1">
+      <a:defRPr sz="1200" kern="1200">
+        <a:solidFill>
+          <a:schemeClr val="tx1"/>
+        </a:solidFill>
+        <a:latin typeface="+mn-lt"/>
+        <a:ea typeface="+mn-ea"/>
+        <a:cs typeface="+mn-cs"/>
+      </a:defRPr>
+    </a:lvl8pPr>
+    <a:lvl9pPr marL="3657600" algn="l" defTabSz="914400" rtl="0" eaLnBrk="1" latinLnBrk="0" hangingPunct="1">
+      <a:defRPr sz="1200" kern="1200">
+        <a:solidFill>
+          <a:schemeClr val="tx1"/>
+        </a:solidFill>
+        <a:latin typeface="+mn-lt"/>
+        <a:ea typeface="+mn-ea"/>
+        <a:cs typeface="+mn-cs"/>
+      </a:defRPr>
+    </a:lvl9pPr>
+  </p:notesStyle>
+</p:notesMaster>
+</file>
+
+<file path=ppt/notesSlides/notesSlide1.xml><?xml version="1.0" encoding="utf-8"?>
+<p:notes xmlns:a="http://schemas.openxmlformats.org/drawingml/2006/main" xmlns:r="http://schemas.openxmlformats.org/officeDocument/2006/relationships" xmlns:p="http://schemas.openxmlformats.org/presentationml/2006/main">
+  <p:cSld>
+    <p:spTree>
+      <p:nvGrpSpPr>
+        <p:cNvPr id="1" name=""/>
+        <p:cNvGrpSpPr/>
+        <p:nvPr/>
+      </p:nvGrpSpPr>
+      <p:grpSpPr>
+        <a:xfrm>
+          <a:off x="0" y="0"/>
+          <a:ext cx="0" cy="0"/>
+          <a:chOff x="0" y="0"/>
+          <a:chExt cx="0" cy="0"/>
+        </a:xfrm>
+      </p:grpSpPr>
+      <p:sp>
+        <p:nvSpPr>
+          <p:cNvPr id="2" name="Slide Image Placeholder 1"/>
+          <p:cNvSpPr>
+            <a:spLocks noGrp="1" noRot="1" noChangeAspect="1"/>
+          </p:cNvSpPr>
+          <p:nvPr>
+            <p:ph type="sldImg"/>
+          </p:nvPr>
+        </p:nvSpPr>
+        <p:spPr/>
+      </p:sp>
+      <p:sp>
+        <p:nvSpPr>
+          <p:cNvPr id="3" name="Notes Placeholder 2"/>
+          <p:cNvSpPr>
+            <a:spLocks noGrp="1"/>
+          </p:cNvSpPr>
+          <p:nvPr>
+            <p:ph type="body" idx="1"/>
+          </p:nvPr>
+        </p:nvSpPr>
+        <p:spPr/>
+        <p:txBody>
+          <a:bodyPr/>
+          <a:lstStyle/>
+          <a:p>
+            <a:endParaRPr lang="en-US"/>
+          </a:p>
+        </p:txBody>
+      </p:sp>
+      <p:sp>
+        <p:nvSpPr>
+          <p:cNvPr id="4" name="Slide Number Placeholder 3"/>
+          <p:cNvSpPr>
+            <a:spLocks noGrp="1"/>
+          </p:cNvSpPr>
+          <p:nvPr>
+            <p:ph type="sldNum" sz="quarter" idx="10"/>
+          </p:nvPr>
+        </p:nvSpPr>
+        <p:spPr/>
+        <p:txBody>
+          <a:bodyPr/>
+          <a:lstStyle/>
+          <a:p>
+            <a:fld id="{8AA1C862-A304-482B-8025-78B3E03A90C2}" type="slidenum">
+              <a:rPr lang="en-US" smtClean="0"/>
+              <a:t>3</a:t>
+            </a:fld>
+            <a:endParaRPr lang="en-US"/>
+          </a:p>
+        </p:txBody>
+      </p:sp>
+    </p:spTree>
+    <p:extLst>
+      <p:ext uri="{BB962C8B-B14F-4D97-AF65-F5344CB8AC3E}">
+        <p14:creationId xmlns:p14="http://schemas.microsoft.com/office/powerpoint/2010/main" val="2584749585"/>
+      </p:ext>
+    </p:extLst>
+  </p:cSld>
+  <p:clrMapOvr>
+    <a:masterClrMapping/>
+  </p:clrMapOvr>
+</p:notes>
+</file>
+
+<file path=ppt/notesSlides/notesSlide2.xml><?xml version="1.0" encoding="utf-8"?>
+<p:notes xmlns:a="http://schemas.openxmlformats.org/drawingml/2006/main" xmlns:r="http://schemas.openxmlformats.org/officeDocument/2006/relationships" xmlns:p="http://schemas.openxmlformats.org/presentationml/2006/main">
+  <p:cSld>
+    <p:spTree>
+      <p:nvGrpSpPr>
+        <p:cNvPr id="1" name=""/>
+        <p:cNvGrpSpPr/>
+        <p:nvPr/>
+      </p:nvGrpSpPr>
+      <p:grpSpPr>
+        <a:xfrm>
+          <a:off x="0" y="0"/>
+          <a:ext cx="0" cy="0"/>
+          <a:chOff x="0" y="0"/>
+          <a:chExt cx="0" cy="0"/>
+        </a:xfrm>
+      </p:grpSpPr>
+      <p:sp>
+        <p:nvSpPr>
+          <p:cNvPr id="2" name="Slide Image Placeholder 1"/>
+          <p:cNvSpPr>
+            <a:spLocks noGrp="1" noRot="1" noChangeAspect="1"/>
+          </p:cNvSpPr>
+          <p:nvPr>
+            <p:ph type="sldImg"/>
+          </p:nvPr>
+        </p:nvSpPr>
+        <p:spPr/>
+      </p:sp>
+      <p:sp>
+        <p:nvSpPr>
+          <p:cNvPr id="3" name="Notes Placeholder 2"/>
+          <p:cNvSpPr>
+            <a:spLocks noGrp="1"/>
+          </p:cNvSpPr>
+          <p:nvPr>
+            <p:ph type="body" idx="1"/>
+          </p:nvPr>
+        </p:nvSpPr>
+        <p:spPr/>
+        <p:txBody>
+          <a:bodyPr/>
+          <a:lstStyle/>
+          <a:p>
+            <a:pPr marL="0" indent="0">
+              <a:buNone/>
+            </a:pPr>
+            <a:r>
+              <a:rPr lang="en-US" dirty="0" smtClean="0"/>
+              <a:t>To support multiple payment methods, there would be many conditional branches with logic that will invoke different controllers and UI components to perform the task in the </a:t>
+            </a:r>
+            <a:r>
+              <a:rPr lang="en-US" dirty="0" err="1" smtClean="0"/>
+              <a:t>TransactionController</a:t>
+            </a:r>
+            <a:r>
+              <a:rPr lang="en-US" dirty="0" smtClean="0"/>
+              <a:t>. That makes it bigger and harder to maintain.</a:t>
+            </a:r>
+          </a:p>
+          <a:p>
+            <a:pPr marL="0" indent="0">
+              <a:buNone/>
+            </a:pPr>
+            <a:endParaRPr lang="en-US" dirty="0" smtClean="0"/>
+          </a:p>
+          <a:p>
+            <a:pPr marL="0" indent="0">
+              <a:buNone/>
+            </a:pPr>
+            <a:r>
+              <a:rPr lang="en-US" dirty="0" smtClean="0"/>
+              <a:t>When it is required that to add or drop a payment method, the </a:t>
+            </a:r>
+            <a:r>
+              <a:rPr lang="en-US" dirty="0" err="1" smtClean="0"/>
+              <a:t>TransactionController</a:t>
+            </a:r>
+            <a:r>
+              <a:rPr lang="en-US" dirty="0" smtClean="0"/>
+              <a:t> has to be modified too much.</a:t>
+            </a:r>
+          </a:p>
+          <a:p>
+            <a:endParaRPr lang="en-US" dirty="0"/>
+          </a:p>
+        </p:txBody>
+      </p:sp>
+      <p:sp>
+        <p:nvSpPr>
+          <p:cNvPr id="4" name="Slide Number Placeholder 3"/>
+          <p:cNvSpPr>
+            <a:spLocks noGrp="1"/>
+          </p:cNvSpPr>
+          <p:nvPr>
+            <p:ph type="sldNum" sz="quarter" idx="10"/>
+          </p:nvPr>
+        </p:nvSpPr>
+        <p:spPr/>
+        <p:txBody>
+          <a:bodyPr/>
+          <a:lstStyle/>
+          <a:p>
+            <a:fld id="{8AA1C862-A304-482B-8025-78B3E03A90C2}" type="slidenum">
+              <a:rPr lang="en-US" smtClean="0"/>
+              <a:t>5</a:t>
+            </a:fld>
+            <a:endParaRPr lang="en-US"/>
+          </a:p>
+        </p:txBody>
+      </p:sp>
+    </p:spTree>
+    <p:extLst>
+      <p:ext uri="{BB962C8B-B14F-4D97-AF65-F5344CB8AC3E}">
+        <p14:creationId xmlns:p14="http://schemas.microsoft.com/office/powerpoint/2010/main" val="1461683227"/>
+      </p:ext>
+    </p:extLst>
+  </p:cSld>
+  <p:clrMapOvr>
+    <a:masterClrMapping/>
+  </p:clrMapOvr>
+</p:notes>
+</file>
+
+<file path=ppt/notesSlides/notesSlide3.xml><?xml version="1.0" encoding="utf-8"?>
+<p:notes xmlns:a="http://schemas.openxmlformats.org/drawingml/2006/main" xmlns:r="http://schemas.openxmlformats.org/officeDocument/2006/relationships" xmlns:p="http://schemas.openxmlformats.org/presentationml/2006/main">
+  <p:cSld>
+    <p:spTree>
+      <p:nvGrpSpPr>
+        <p:cNvPr id="1" name=""/>
+        <p:cNvGrpSpPr/>
+        <p:nvPr/>
+      </p:nvGrpSpPr>
+      <p:grpSpPr>
+        <a:xfrm>
+          <a:off x="0" y="0"/>
+          <a:ext cx="0" cy="0"/>
+          <a:chOff x="0" y="0"/>
+          <a:chExt cx="0" cy="0"/>
+        </a:xfrm>
+      </p:grpSpPr>
+      <p:sp>
+        <p:nvSpPr>
+          <p:cNvPr id="2" name="Slide Image Placeholder 1"/>
+          <p:cNvSpPr>
+            <a:spLocks noGrp="1" noRot="1" noChangeAspect="1"/>
+          </p:cNvSpPr>
+          <p:nvPr>
+            <p:ph type="sldImg"/>
+          </p:nvPr>
+        </p:nvSpPr>
+        <p:spPr/>
+      </p:sp>
+      <p:sp>
+        <p:nvSpPr>
+          <p:cNvPr id="3" name="Notes Placeholder 2"/>
+          <p:cNvSpPr>
+            <a:spLocks noGrp="1"/>
+          </p:cNvSpPr>
+          <p:nvPr>
+            <p:ph type="body" idx="1"/>
+          </p:nvPr>
+        </p:nvSpPr>
+        <p:spPr/>
+        <p:txBody>
+          <a:bodyPr/>
+          <a:lstStyle/>
+          <a:p>
+            <a:pPr marL="0" marR="0" indent="0" algn="l" defTabSz="914400" rtl="0" eaLnBrk="1" fontAlgn="auto" latinLnBrk="0" hangingPunct="1">
+              <a:lnSpc>
+                <a:spcPct val="100000"/>
+              </a:lnSpc>
+              <a:spcBef>
+                <a:spcPts val="0"/>
+              </a:spcBef>
+              <a:spcAft>
+                <a:spcPts val="0"/>
+              </a:spcAft>
+              <a:buClrTx/>
+              <a:buSzTx/>
+              <a:buFontTx/>
+              <a:buNone/>
+              <a:tabLst/>
+              <a:defRPr/>
+            </a:pPr>
+            <a:r>
+              <a:rPr lang="en-US" dirty="0" smtClean="0"/>
+              <a:t>The algorithm’s structure should be more flexible and changeable considered different situations for different payment option. </a:t>
+            </a:r>
+          </a:p>
+          <a:p>
+            <a:pPr marL="0" marR="0" indent="0" algn="l" defTabSz="914400" rtl="0" eaLnBrk="1" fontAlgn="auto" latinLnBrk="0" hangingPunct="1">
+              <a:lnSpc>
+                <a:spcPct val="100000"/>
+              </a:lnSpc>
+              <a:spcBef>
+                <a:spcPts val="0"/>
+              </a:spcBef>
+              <a:spcAft>
+                <a:spcPts val="0"/>
+              </a:spcAft>
+              <a:buClrTx/>
+              <a:buSzTx/>
+              <a:buFontTx/>
+              <a:buNone/>
+              <a:tabLst/>
+              <a:defRPr/>
+            </a:pPr>
+            <a:endParaRPr lang="en-US" dirty="0" smtClean="0"/>
+          </a:p>
+          <a:p>
+            <a:pPr marL="0" marR="0" indent="0" algn="l" defTabSz="914400" rtl="0" eaLnBrk="1" fontAlgn="auto" latinLnBrk="0" hangingPunct="1">
+              <a:lnSpc>
+                <a:spcPct val="100000"/>
+              </a:lnSpc>
+              <a:spcBef>
+                <a:spcPts val="0"/>
+              </a:spcBef>
+              <a:spcAft>
+                <a:spcPts val="0"/>
+              </a:spcAft>
+              <a:buClrTx/>
+              <a:buSzTx/>
+              <a:buFontTx/>
+              <a:buNone/>
+              <a:tabLst/>
+              <a:defRPr/>
+            </a:pPr>
+            <a:r>
+              <a:rPr lang="en-US" dirty="0" smtClean="0"/>
+              <a:t>For instance, the vendor should give change when we use coin to pay but in card payment the vendor don’t need to do that.  </a:t>
+            </a:r>
+          </a:p>
+          <a:p>
+            <a:endParaRPr lang="en-US" dirty="0"/>
+          </a:p>
+        </p:txBody>
+      </p:sp>
+      <p:sp>
+        <p:nvSpPr>
+          <p:cNvPr id="4" name="Slide Number Placeholder 3"/>
+          <p:cNvSpPr>
+            <a:spLocks noGrp="1"/>
+          </p:cNvSpPr>
+          <p:nvPr>
+            <p:ph type="sldNum" sz="quarter" idx="10"/>
+          </p:nvPr>
+        </p:nvSpPr>
+        <p:spPr/>
+        <p:txBody>
+          <a:bodyPr/>
+          <a:lstStyle/>
+          <a:p>
+            <a:fld id="{8AA1C862-A304-482B-8025-78B3E03A90C2}" type="slidenum">
+              <a:rPr lang="en-US" smtClean="0"/>
+              <a:t>7</a:t>
+            </a:fld>
+            <a:endParaRPr lang="en-US"/>
+          </a:p>
+        </p:txBody>
+      </p:sp>
+    </p:spTree>
+    <p:extLst>
+      <p:ext uri="{BB962C8B-B14F-4D97-AF65-F5344CB8AC3E}">
+        <p14:creationId xmlns:p14="http://schemas.microsoft.com/office/powerpoint/2010/main" val="2806192231"/>
+      </p:ext>
+    </p:extLst>
+  </p:cSld>
+  <p:clrMapOvr>
+    <a:masterClrMapping/>
+  </p:clrMapOvr>
+</p:notes>
+</file>
+
 <file path=ppt/slideLayouts/slideLayout1.xml><?xml version="1.0" encoding="utf-8"?>
-<p:sldLayout xmlns:a="http://schemas.openxmlformats.org/drawingml/2006/main" xmlns:r="http://schemas.openxmlformats.org/officeDocument/2006/relationships" xmlns:p="http://schemas.openxmlformats.org/presentationml/2006/main" type="title" preserve="1">
+<p:sldLayout xmlns:a="http://schemas.openxmlformats.org/drawingml/2006/main" xmlns:r="http://schemas.openxmlformats.org/officeDocument/2006/relationships" xmlns:p="http://schemas.openxmlformats.org/presentationml/2006/main" showMasterSp="0" type="title" preserve="1">
   <p:cSld name="Title Slide">
     <p:spTree>
       <p:nvGrpSpPr>
@@ -139,25 +855,291 @@
       </p:grpSpPr>
       <p:sp>
         <p:nvSpPr>
-          <p:cNvPr id="2" name="Title 1"/>
-          <p:cNvSpPr>
-            <a:spLocks noGrp="1"/>
-          </p:cNvSpPr>
-          <p:nvPr>
-            <p:ph type="ctrTitle"/>
-          </p:nvPr>
+          <p:cNvPr id="7" name="Rectangle 6"/>
+          <p:cNvSpPr/>
+          <p:nvPr/>
         </p:nvSpPr>
         <p:spPr>
           <a:xfrm>
-            <a:off x="1524000" y="1122363"/>
-            <a:ext cx="9144000" cy="2387600"/>
+            <a:off x="920834" y="1346946"/>
+            <a:ext cx="10222992" cy="80683"/>
+          </a:xfrm>
+          <a:prstGeom prst="rect">
+            <a:avLst/>
+          </a:prstGeom>
+          <a:blipFill dpi="0" rotWithShape="1">
+            <a:blip r:embed="rId2">
+              <a:alphaModFix amt="85000"/>
+              <a:lum bright="70000" contrast="-70000"/>
+              <a:extLst>
+                <a:ext uri="{BEBA8EAE-BF5A-486C-A8C5-ECC9F3942E4B}">
+                  <a14:imgProps xmlns:a14="http://schemas.microsoft.com/office/drawing/2010/main">
+                    <a14:imgLayer r:embed="rId3">
+                      <a14:imgEffect>
+                        <a14:sharpenSoften amount="61000"/>
+                      </a14:imgEffect>
+                    </a14:imgLayer>
+                  </a14:imgProps>
+                </a:ext>
+                <a:ext uri="{28A0092B-C50C-407E-A947-70E740481C1C}">
+                  <a14:useLocalDpi xmlns:a14="http://schemas.microsoft.com/office/drawing/2010/main" val="0"/>
+                </a:ext>
+              </a:extLst>
+            </a:blip>
+            <a:srcRect/>
+            <a:tile tx="0" ty="-762000" sx="92000" sy="89000" flip="xy" algn="ctr"/>
+          </a:blipFill>
+          <a:ln>
+            <a:noFill/>
+          </a:ln>
+        </p:spPr>
+        <p:style>
+          <a:lnRef idx="2">
+            <a:schemeClr val="accent1">
+              <a:shade val="50000"/>
+            </a:schemeClr>
+          </a:lnRef>
+          <a:fillRef idx="1">
+            <a:schemeClr val="accent1"/>
+          </a:fillRef>
+          <a:effectRef idx="0">
+            <a:schemeClr val="accent1"/>
+          </a:effectRef>
+          <a:fontRef idx="minor">
+            <a:schemeClr val="lt1"/>
+          </a:fontRef>
+        </p:style>
+      </p:sp>
+      <p:sp>
+        <p:nvSpPr>
+          <p:cNvPr id="8" name="Rectangle 7"/>
+          <p:cNvSpPr/>
+          <p:nvPr/>
+        </p:nvSpPr>
+        <p:spPr>
+          <a:xfrm>
+            <a:off x="920834" y="4299696"/>
+            <a:ext cx="10222992" cy="80683"/>
+          </a:xfrm>
+          <a:prstGeom prst="rect">
+            <a:avLst/>
+          </a:prstGeom>
+          <a:blipFill dpi="0" rotWithShape="1">
+            <a:blip r:embed="rId2">
+              <a:alphaModFix amt="85000"/>
+              <a:lum bright="70000" contrast="-70000"/>
+              <a:extLst>
+                <a:ext uri="{BEBA8EAE-BF5A-486C-A8C5-ECC9F3942E4B}">
+                  <a14:imgProps xmlns:a14="http://schemas.microsoft.com/office/drawing/2010/main">
+                    <a14:imgLayer r:embed="rId3">
+                      <a14:imgEffect>
+                        <a14:sharpenSoften amount="61000"/>
+                      </a14:imgEffect>
+                    </a14:imgLayer>
+                  </a14:imgProps>
+                </a:ext>
+                <a:ext uri="{28A0092B-C50C-407E-A947-70E740481C1C}">
+                  <a14:useLocalDpi xmlns:a14="http://schemas.microsoft.com/office/drawing/2010/main" val="0"/>
+                </a:ext>
+              </a:extLst>
+            </a:blip>
+            <a:srcRect/>
+            <a:tile tx="0" ty="-717550" sx="92000" sy="89000" flip="xy" algn="ctr"/>
+          </a:blipFill>
+          <a:ln>
+            <a:noFill/>
+          </a:ln>
+        </p:spPr>
+        <p:style>
+          <a:lnRef idx="2">
+            <a:schemeClr val="accent1">
+              <a:shade val="50000"/>
+            </a:schemeClr>
+          </a:lnRef>
+          <a:fillRef idx="1">
+            <a:schemeClr val="accent1"/>
+          </a:fillRef>
+          <a:effectRef idx="0">
+            <a:schemeClr val="accent1"/>
+          </a:effectRef>
+          <a:fontRef idx="minor">
+            <a:schemeClr val="lt1"/>
+          </a:fontRef>
+        </p:style>
+      </p:sp>
+      <p:sp>
+        <p:nvSpPr>
+          <p:cNvPr id="9" name="Rectangle 8"/>
+          <p:cNvSpPr/>
+          <p:nvPr/>
+        </p:nvSpPr>
+        <p:spPr>
+          <a:xfrm>
+            <a:off x="920834" y="1484779"/>
+            <a:ext cx="10222992" cy="2743200"/>
+          </a:xfrm>
+          <a:prstGeom prst="rect">
+            <a:avLst/>
+          </a:prstGeom>
+          <a:blipFill dpi="0" rotWithShape="1">
+            <a:blip r:embed="rId2">
+              <a:alphaModFix amt="85000"/>
+              <a:lum bright="70000" contrast="-70000"/>
+              <a:extLst>
+                <a:ext uri="{BEBA8EAE-BF5A-486C-A8C5-ECC9F3942E4B}">
+                  <a14:imgProps xmlns:a14="http://schemas.microsoft.com/office/drawing/2010/main">
+                    <a14:imgLayer r:embed="rId3">
+                      <a14:imgEffect>
+                        <a14:sharpenSoften amount="61000"/>
+                      </a14:imgEffect>
+                    </a14:imgLayer>
+                  </a14:imgProps>
+                </a:ext>
+                <a:ext uri="{28A0092B-C50C-407E-A947-70E740481C1C}">
+                  <a14:useLocalDpi xmlns:a14="http://schemas.microsoft.com/office/drawing/2010/main" val="0"/>
+                </a:ext>
+              </a:extLst>
+            </a:blip>
+            <a:srcRect/>
+            <a:tile tx="0" ty="-704850" sx="92000" sy="89000" flip="xy" algn="ctr"/>
+          </a:blipFill>
+          <a:ln>
+            <a:noFill/>
+          </a:ln>
+        </p:spPr>
+        <p:style>
+          <a:lnRef idx="2">
+            <a:schemeClr val="accent1">
+              <a:shade val="50000"/>
+            </a:schemeClr>
+          </a:lnRef>
+          <a:fillRef idx="1">
+            <a:schemeClr val="accent1"/>
+          </a:fillRef>
+          <a:effectRef idx="0">
+            <a:schemeClr val="accent1"/>
+          </a:effectRef>
+          <a:fontRef idx="minor">
+            <a:schemeClr val="lt1"/>
+          </a:fontRef>
+        </p:style>
+      </p:sp>
+      <p:grpSp>
+        <p:nvGrpSpPr>
+          <p:cNvPr id="10" name="Group 9"/>
+          <p:cNvGrpSpPr/>
+          <p:nvPr/>
+        </p:nvGrpSpPr>
+        <p:grpSpPr>
+          <a:xfrm>
+            <a:off x="9649215" y="4068923"/>
+            <a:ext cx="1080904" cy="1080902"/>
+            <a:chOff x="9685338" y="4460675"/>
+            <a:chExt cx="1080904" cy="1080902"/>
+          </a:xfrm>
+        </p:grpSpPr>
+        <p:sp>
+          <p:nvSpPr>
+            <p:cNvPr id="11" name="Oval 10"/>
+            <p:cNvSpPr/>
+            <p:nvPr/>
+          </p:nvSpPr>
+          <p:spPr>
+            <a:xfrm>
+              <a:off x="9685338" y="4460675"/>
+              <a:ext cx="1080904" cy="1080902"/>
+            </a:xfrm>
+            <a:prstGeom prst="ellipse">
+              <a:avLst/>
+            </a:prstGeom>
+            <a:blipFill dpi="0" rotWithShape="1">
+              <a:blip r:embed="rId4">
+                <a:duotone>
+                  <a:schemeClr val="accent1">
+                    <a:shade val="45000"/>
+                    <a:satMod val="135000"/>
+                  </a:schemeClr>
+                  <a:prstClr val="white"/>
+                </a:duotone>
+                <a:extLst>
+                  <a:ext uri="{BEBA8EAE-BF5A-486C-A8C5-ECC9F3942E4B}">
+                    <a14:imgProps xmlns:a14="http://schemas.microsoft.com/office/drawing/2010/main">
+                      <a14:imgLayer r:embed="rId5">
+                        <a14:imgEffect>
+                          <a14:saturation sat="95000"/>
+                        </a14:imgEffect>
+                      </a14:imgLayer>
+                    </a14:imgProps>
+                  </a:ext>
+                </a:extLst>
+              </a:blip>
+              <a:srcRect/>
+              <a:tile tx="0" ty="0" sx="85000" sy="85000" flip="none" algn="tl"/>
+            </a:blipFill>
+            <a:ln w="25400" cap="flat" cmpd="sng" algn="ctr">
+              <a:noFill/>
+              <a:prstDash val="solid"/>
+            </a:ln>
+            <a:effectLst/>
+          </p:spPr>
+        </p:sp>
+        <p:sp>
+          <p:nvSpPr>
+            <p:cNvPr id="12" name="Oval 11"/>
+            <p:cNvSpPr/>
+            <p:nvPr/>
+          </p:nvSpPr>
+          <p:spPr>
+            <a:xfrm>
+              <a:off x="9793429" y="4568765"/>
+              <a:ext cx="864723" cy="864722"/>
+            </a:xfrm>
+            <a:prstGeom prst="ellipse">
+              <a:avLst/>
+            </a:prstGeom>
+            <a:noFill/>
+            <a:ln w="25400" cap="flat" cmpd="sng" algn="ctr">
+              <a:solidFill>
+                <a:sysClr val="window" lastClr="FFFFFF"/>
+              </a:solidFill>
+              <a:prstDash val="solid"/>
+            </a:ln>
+            <a:effectLst/>
+          </p:spPr>
+        </p:sp>
+      </p:grpSp>
+      <p:sp>
+        <p:nvSpPr>
+          <p:cNvPr id="2" name="Title 1"/>
+          <p:cNvSpPr>
+            <a:spLocks noGrp="1"/>
+          </p:cNvSpPr>
+          <p:nvPr>
+            <p:ph type="ctrTitle"/>
+          </p:nvPr>
+        </p:nvSpPr>
+        <p:spPr>
+          <a:xfrm>
+            <a:off x="1051560" y="1432223"/>
+            <a:ext cx="9966960" cy="3035808"/>
           </a:xfrm>
         </p:spPr>
         <p:txBody>
-          <a:bodyPr anchor="b"/>
+          <a:bodyPr anchor="ctr">
+            <a:noAutofit/>
+          </a:bodyPr>
           <a:lstStyle>
-            <a:lvl1pPr algn="ctr">
-              <a:defRPr sz="6000"/>
+            <a:lvl1pPr algn="l">
+              <a:lnSpc>
+                <a:spcPct val="80000"/>
+              </a:lnSpc>
+              <a:defRPr sz="9600" cap="all" baseline="0">
+                <a:blipFill dpi="0" rotWithShape="1">
+                  <a:blip r:embed="rId4"/>
+                  <a:srcRect/>
+                  <a:tile tx="6350" ty="-127000" sx="65000" sy="64000" flip="none" algn="tl"/>
+                </a:blipFill>
+              </a:defRPr>
             </a:lvl1pPr>
           </a:lstStyle>
           <a:p>
@@ -165,7 +1147,7 @@
               <a:rPr lang="en-US" smtClean="0"/>
               <a:t>Click to edit Master title style</a:t>
             </a:r>
-            <a:endParaRPr lang="en-US"/>
+            <a:endParaRPr lang="en-US" dirty="0"/>
           </a:p>
         </p:txBody>
       </p:sp>
@@ -181,48 +1163,54 @@
         </p:nvSpPr>
         <p:spPr>
           <a:xfrm>
-            <a:off x="1524000" y="3602038"/>
-            <a:ext cx="9144000" cy="1655762"/>
+            <a:off x="1069848" y="4389120"/>
+            <a:ext cx="7891272" cy="1069848"/>
           </a:xfrm>
         </p:spPr>
         <p:txBody>
-          <a:bodyPr/>
+          <a:bodyPr>
+            <a:normAutofit/>
+          </a:bodyPr>
           <a:lstStyle>
-            <a:lvl1pPr marL="0" indent="0" algn="ctr">
-              <a:buNone/>
-              <a:defRPr sz="2400"/>
+            <a:lvl1pPr marL="0" indent="0" algn="l">
+              <a:buNone/>
+              <a:defRPr sz="2200">
+                <a:solidFill>
+                  <a:schemeClr val="tx1"/>
+                </a:solidFill>
+              </a:defRPr>
             </a:lvl1pPr>
             <a:lvl2pPr marL="457200" indent="0" algn="ctr">
               <a:buNone/>
-              <a:defRPr sz="2000"/>
+              <a:defRPr sz="2200"/>
             </a:lvl2pPr>
             <a:lvl3pPr marL="914400" indent="0" algn="ctr">
               <a:buNone/>
-              <a:defRPr sz="1800"/>
+              <a:defRPr sz="2200"/>
             </a:lvl3pPr>
             <a:lvl4pPr marL="1371600" indent="0" algn="ctr">
               <a:buNone/>
-              <a:defRPr sz="1600"/>
+              <a:defRPr sz="2000"/>
             </a:lvl4pPr>
             <a:lvl5pPr marL="1828800" indent="0" algn="ctr">
               <a:buNone/>
-              <a:defRPr sz="1600"/>
+              <a:defRPr sz="2000"/>
             </a:lvl5pPr>
             <a:lvl6pPr marL="2286000" indent="0" algn="ctr">
               <a:buNone/>
-              <a:defRPr sz="1600"/>
+              <a:defRPr sz="2000"/>
             </a:lvl6pPr>
             <a:lvl7pPr marL="2743200" indent="0" algn="ctr">
               <a:buNone/>
-              <a:defRPr sz="1600"/>
+              <a:defRPr sz="2000"/>
             </a:lvl7pPr>
             <a:lvl8pPr marL="3200400" indent="0" algn="ctr">
               <a:buNone/>
-              <a:defRPr sz="1600"/>
+              <a:defRPr sz="2000"/>
             </a:lvl8pPr>
             <a:lvl9pPr marL="3657600" indent="0" algn="ctr">
               <a:buNone/>
-              <a:defRPr sz="1600"/>
+              <a:defRPr sz="2000"/>
             </a:lvl9pPr>
           </a:lstStyle>
           <a:p>
@@ -230,7 +1218,7 @@
               <a:rPr lang="en-US" smtClean="0"/>
               <a:t>Click to edit Master subtitle style</a:t>
             </a:r>
-            <a:endParaRPr lang="en-US"/>
+            <a:endParaRPr lang="en-US" dirty="0"/>
           </a:p>
         </p:txBody>
       </p:sp>
@@ -249,9 +1237,9 @@
           <a:bodyPr/>
           <a:lstStyle/>
           <a:p>
-            <a:fld id="{68C6934B-2C4D-4EC0-B44B-166FEB1D0CE8}" type="datetimeFigureOut">
-              <a:rPr lang="en-US" smtClean="0"/>
-              <a:t>9/27/2015</a:t>
+            <a:fld id="{C2D37DBF-DB0E-449E-809C-5EDEF28A31D8}" type="datetime1">
+              <a:rPr lang="en-US" smtClean="0"/>
+              <a:t>9/28/2015</a:t>
             </a:fld>
             <a:endParaRPr lang="en-US"/>
           </a:p>
@@ -286,10 +1274,19 @@
             <p:ph type="sldNum" sz="quarter" idx="12"/>
           </p:nvPr>
         </p:nvSpPr>
-        <p:spPr/>
-        <p:txBody>
-          <a:bodyPr/>
-          <a:lstStyle/>
+        <p:spPr>
+          <a:xfrm>
+            <a:off x="9592733" y="4289334"/>
+            <a:ext cx="1193868" cy="640080"/>
+          </a:xfrm>
+        </p:spPr>
+        <p:txBody>
+          <a:bodyPr/>
+          <a:lstStyle>
+            <a:lvl1pPr>
+              <a:defRPr sz="2800"/>
+            </a:lvl1pPr>
+          </a:lstStyle>
           <a:p>
             <a:fld id="{84961F39-E58F-487C-8793-A7C1196B364E}" type="slidenum">
               <a:rPr lang="en-US" smtClean="0"/>
@@ -302,7 +1299,7 @@
     </p:spTree>
     <p:extLst>
       <p:ext uri="{BB962C8B-B14F-4D97-AF65-F5344CB8AC3E}">
-        <p14:creationId xmlns:p14="http://schemas.microsoft.com/office/powerpoint/2010/main" val="184538275"/>
+        <p14:creationId xmlns:p14="http://schemas.microsoft.com/office/powerpoint/2010/main" val="46916232"/>
       </p:ext>
     </p:extLst>
   </p:cSld>
@@ -348,7 +1345,7 @@
               <a:rPr lang="en-US" smtClean="0"/>
               <a:t>Click to edit Master title style</a:t>
             </a:r>
-            <a:endParaRPr lang="en-US"/>
+            <a:endParaRPr lang="en-US" dirty="0"/>
           </a:p>
         </p:txBody>
       </p:sp>
@@ -400,7 +1397,7 @@
               <a:rPr lang="en-US" smtClean="0"/>
               <a:t>Fifth level</a:t>
             </a:r>
-            <a:endParaRPr lang="en-US"/>
+            <a:endParaRPr lang="en-US" dirty="0"/>
           </a:p>
         </p:txBody>
       </p:sp>
@@ -419,9 +1416,9 @@
           <a:bodyPr/>
           <a:lstStyle/>
           <a:p>
-            <a:fld id="{68C6934B-2C4D-4EC0-B44B-166FEB1D0CE8}" type="datetimeFigureOut">
-              <a:rPr lang="en-US" smtClean="0"/>
-              <a:t>9/27/2015</a:t>
+            <a:fld id="{AA4B1500-CACF-4C1E-9741-6EF2B639CC98}" type="datetime1">
+              <a:rPr lang="en-US" smtClean="0"/>
+              <a:t>9/28/2015</a:t>
             </a:fld>
             <a:endParaRPr lang="en-US"/>
           </a:p>
@@ -472,7 +1469,7 @@
     </p:spTree>
     <p:extLst>
       <p:ext uri="{BB962C8B-B14F-4D97-AF65-F5344CB8AC3E}">
-        <p14:creationId xmlns:p14="http://schemas.microsoft.com/office/powerpoint/2010/main" val="2338350407"/>
+        <p14:creationId xmlns:p14="http://schemas.microsoft.com/office/powerpoint/2010/main" val="3603822482"/>
       </p:ext>
     </p:extLst>
   </p:cSld>
@@ -511,8 +1508,8 @@
         </p:nvSpPr>
         <p:spPr>
           <a:xfrm>
-            <a:off x="8724900" y="365125"/>
-            <a:ext cx="2628900" cy="5811838"/>
+            <a:off x="8724900" y="533400"/>
+            <a:ext cx="2552700" cy="5638800"/>
           </a:xfrm>
         </p:spPr>
         <p:txBody>
@@ -523,7 +1520,7 @@
               <a:rPr lang="en-US" smtClean="0"/>
               <a:t>Click to edit Master title style</a:t>
             </a:r>
-            <a:endParaRPr lang="en-US"/>
+            <a:endParaRPr lang="en-US" dirty="0"/>
           </a:p>
         </p:txBody>
       </p:sp>
@@ -539,8 +1536,8 @@
         </p:nvSpPr>
         <p:spPr>
           <a:xfrm>
-            <a:off x="838200" y="365125"/>
-            <a:ext cx="7734300" cy="5811838"/>
+            <a:off x="1066800" y="533400"/>
+            <a:ext cx="7505700" cy="5638800"/>
           </a:xfrm>
         </p:spPr>
         <p:txBody>
@@ -580,7 +1577,7 @@
               <a:rPr lang="en-US" smtClean="0"/>
               <a:t>Fifth level</a:t>
             </a:r>
-            <a:endParaRPr lang="en-US"/>
+            <a:endParaRPr lang="en-US" dirty="0"/>
           </a:p>
         </p:txBody>
       </p:sp>
@@ -599,9 +1596,9 @@
           <a:bodyPr/>
           <a:lstStyle/>
           <a:p>
-            <a:fld id="{68C6934B-2C4D-4EC0-B44B-166FEB1D0CE8}" type="datetimeFigureOut">
-              <a:rPr lang="en-US" smtClean="0"/>
-              <a:t>9/27/2015</a:t>
+            <a:fld id="{717F9F7B-33F6-4687-81A4-C95D8ACF3161}" type="datetime1">
+              <a:rPr lang="en-US" smtClean="0"/>
+              <a:t>9/28/2015</a:t>
             </a:fld>
             <a:endParaRPr lang="en-US"/>
           </a:p>
@@ -652,7 +1649,7 @@
     </p:spTree>
     <p:extLst>
       <p:ext uri="{BB962C8B-B14F-4D97-AF65-F5344CB8AC3E}">
-        <p14:creationId xmlns:p14="http://schemas.microsoft.com/office/powerpoint/2010/main" val="4059974826"/>
+        <p14:creationId xmlns:p14="http://schemas.microsoft.com/office/powerpoint/2010/main" val="1930427877"/>
       </p:ext>
     </p:extLst>
   </p:cSld>
@@ -698,7 +1695,7 @@
               <a:rPr lang="en-US" smtClean="0"/>
               <a:t>Click to edit Master title style</a:t>
             </a:r>
-            <a:endParaRPr lang="en-US"/>
+            <a:endParaRPr lang="en-US" dirty="0"/>
           </a:p>
         </p:txBody>
       </p:sp>
@@ -750,7 +1747,7 @@
               <a:rPr lang="en-US" smtClean="0"/>
               <a:t>Fifth level</a:t>
             </a:r>
-            <a:endParaRPr lang="en-US"/>
+            <a:endParaRPr lang="en-US" dirty="0"/>
           </a:p>
         </p:txBody>
       </p:sp>
@@ -769,9 +1766,9 @@
           <a:bodyPr/>
           <a:lstStyle/>
           <a:p>
-            <a:fld id="{68C6934B-2C4D-4EC0-B44B-166FEB1D0CE8}" type="datetimeFigureOut">
-              <a:rPr lang="en-US" smtClean="0"/>
-              <a:t>9/27/2015</a:t>
+            <a:fld id="{1A4A8B55-F387-4107-AFA5-4F223853EBDA}" type="datetime1">
+              <a:rPr lang="en-US" smtClean="0"/>
+              <a:t>9/28/2015</a:t>
             </a:fld>
             <a:endParaRPr lang="en-US"/>
           </a:p>
@@ -822,7 +1819,7 @@
     </p:spTree>
     <p:extLst>
       <p:ext uri="{BB962C8B-B14F-4D97-AF65-F5344CB8AC3E}">
-        <p14:creationId xmlns:p14="http://schemas.microsoft.com/office/powerpoint/2010/main" val="2318899912"/>
+        <p14:creationId xmlns:p14="http://schemas.microsoft.com/office/powerpoint/2010/main" val="1756130977"/>
       </p:ext>
     </p:extLst>
   </p:cSld>
@@ -833,7 +1830,7 @@
 </file>
 
 <file path=ppt/slideLayouts/slideLayout3.xml><?xml version="1.0" encoding="utf-8"?>
-<p:sldLayout xmlns:a="http://schemas.openxmlformats.org/drawingml/2006/main" xmlns:r="http://schemas.openxmlformats.org/officeDocument/2006/relationships" xmlns:p="http://schemas.openxmlformats.org/presentationml/2006/main" type="secHead" preserve="1">
+<p:sldLayout xmlns:a="http://schemas.openxmlformats.org/drawingml/2006/main" xmlns:r="http://schemas.openxmlformats.org/officeDocument/2006/relationships" xmlns:p="http://schemas.openxmlformats.org/presentationml/2006/main" showMasterSp="0" type="secHead" preserve="1">
   <p:cSld name="Section Header">
     <p:spTree>
       <p:nvGrpSpPr>
@@ -851,25 +1848,87 @@
       </p:grpSpPr>
       <p:sp>
         <p:nvSpPr>
-          <p:cNvPr id="2" name="Title 1"/>
-          <p:cNvSpPr>
-            <a:spLocks noGrp="1"/>
-          </p:cNvSpPr>
-          <p:nvPr>
-            <p:ph type="title"/>
-          </p:nvPr>
+          <p:cNvPr id="7" name="Rectangle 6"/>
+          <p:cNvSpPr/>
+          <p:nvPr/>
         </p:nvSpPr>
         <p:spPr>
           <a:xfrm>
-            <a:off x="831850" y="1709738"/>
-            <a:ext cx="10515600" cy="2852737"/>
+            <a:off x="0" y="4917989"/>
+            <a:ext cx="12192000" cy="1940010"/>
+          </a:xfrm>
+          <a:prstGeom prst="rect">
+            <a:avLst/>
+          </a:prstGeom>
+          <a:blipFill dpi="0" rotWithShape="1">
+            <a:blip r:embed="rId2">
+              <a:alphaModFix amt="85000"/>
+              <a:lum bright="70000" contrast="-70000"/>
+              <a:extLst>
+                <a:ext uri="{BEBA8EAE-BF5A-486C-A8C5-ECC9F3942E4B}">
+                  <a14:imgProps xmlns:a14="http://schemas.microsoft.com/office/drawing/2010/main">
+                    <a14:imgLayer r:embed="rId3">
+                      <a14:imgEffect>
+                        <a14:sharpenSoften amount="61000"/>
+                      </a14:imgEffect>
+                    </a14:imgLayer>
+                  </a14:imgProps>
+                </a:ext>
+                <a:ext uri="{28A0092B-C50C-407E-A947-70E740481C1C}">
+                  <a14:useLocalDpi xmlns:a14="http://schemas.microsoft.com/office/drawing/2010/main" val="0"/>
+                </a:ext>
+              </a:extLst>
+            </a:blip>
+            <a:srcRect/>
+            <a:tile tx="0" ty="-704850" sx="92000" sy="89000" flip="xy" algn="ctr"/>
+          </a:blipFill>
+          <a:ln>
+            <a:noFill/>
+          </a:ln>
+        </p:spPr>
+        <p:style>
+          <a:lnRef idx="2">
+            <a:schemeClr val="accent1">
+              <a:shade val="50000"/>
+            </a:schemeClr>
+          </a:lnRef>
+          <a:fillRef idx="1">
+            <a:schemeClr val="accent1"/>
+          </a:fillRef>
+          <a:effectRef idx="0">
+            <a:schemeClr val="accent1"/>
+          </a:effectRef>
+          <a:fontRef idx="minor">
+            <a:schemeClr val="lt1"/>
+          </a:fontRef>
+        </p:style>
+      </p:sp>
+      <p:sp>
+        <p:nvSpPr>
+          <p:cNvPr id="2" name="Title 1"/>
+          <p:cNvSpPr>
+            <a:spLocks noGrp="1"/>
+          </p:cNvSpPr>
+          <p:nvPr>
+            <p:ph type="title"/>
+          </p:nvPr>
+        </p:nvSpPr>
+        <p:spPr>
+          <a:xfrm>
+            <a:off x="2167128" y="1225296"/>
+            <a:ext cx="9281160" cy="3520440"/>
           </a:xfrm>
         </p:spPr>
         <p:txBody>
-          <a:bodyPr anchor="b"/>
+          <a:bodyPr anchor="ctr">
+            <a:normAutofit/>
+          </a:bodyPr>
           <a:lstStyle>
             <a:lvl1pPr>
-              <a:defRPr sz="6000"/>
+              <a:lnSpc>
+                <a:spcPct val="80000"/>
+              </a:lnSpc>
+              <a:defRPr sz="8000" b="0"/>
             </a:lvl1pPr>
           </a:lstStyle>
           <a:p>
@@ -877,7 +1936,7 @@
               <a:rPr lang="en-US" smtClean="0"/>
               <a:t>Click to edit Master title style</a:t>
             </a:r>
-            <a:endParaRPr lang="en-US"/>
+            <a:endParaRPr lang="en-US" dirty="0"/>
           </a:p>
         </p:txBody>
       </p:sp>
@@ -893,26 +1952,26 @@
         </p:nvSpPr>
         <p:spPr>
           <a:xfrm>
-            <a:off x="831850" y="4589463"/>
-            <a:ext cx="10515600" cy="1500187"/>
+            <a:off x="2165774" y="5020056"/>
+            <a:ext cx="9052560" cy="1066800"/>
           </a:xfrm>
         </p:spPr>
         <p:txBody>
-          <a:bodyPr/>
+          <a:bodyPr anchor="t">
+            <a:normAutofit/>
+          </a:bodyPr>
           <a:lstStyle>
             <a:lvl1pPr marL="0" indent="0">
               <a:buNone/>
-              <a:defRPr sz="2400">
+              <a:defRPr sz="2000">
                 <a:solidFill>
-                  <a:schemeClr val="tx1">
-                    <a:tint val="75000"/>
-                  </a:schemeClr>
+                  <a:schemeClr val="tx1"/>
                 </a:solidFill>
               </a:defRPr>
             </a:lvl1pPr>
             <a:lvl2pPr marL="457200" indent="0">
               <a:buNone/>
-              <a:defRPr sz="2000">
+              <a:defRPr sz="1800">
                 <a:solidFill>
                   <a:schemeClr val="tx1">
                     <a:tint val="75000"/>
@@ -922,7 +1981,7 @@
             </a:lvl2pPr>
             <a:lvl3pPr marL="914400" indent="0">
               <a:buNone/>
-              <a:defRPr sz="1800">
+              <a:defRPr sz="1600">
                 <a:solidFill>
                   <a:schemeClr val="tx1">
                     <a:tint val="75000"/>
@@ -932,7 +1991,7 @@
             </a:lvl3pPr>
             <a:lvl4pPr marL="1371600" indent="0">
               <a:buNone/>
-              <a:defRPr sz="1600">
+              <a:defRPr sz="1400">
                 <a:solidFill>
                   <a:schemeClr val="tx1">
                     <a:tint val="75000"/>
@@ -942,7 +2001,7 @@
             </a:lvl4pPr>
             <a:lvl5pPr marL="1828800" indent="0">
               <a:buNone/>
-              <a:defRPr sz="1600">
+              <a:defRPr sz="1400">
                 <a:solidFill>
                   <a:schemeClr val="tx1">
                     <a:tint val="75000"/>
@@ -952,7 +2011,7 @@
             </a:lvl5pPr>
             <a:lvl6pPr marL="2286000" indent="0">
               <a:buNone/>
-              <a:defRPr sz="1600">
+              <a:defRPr sz="1400">
                 <a:solidFill>
                   <a:schemeClr val="tx1">
                     <a:tint val="75000"/>
@@ -962,7 +2021,7 @@
             </a:lvl6pPr>
             <a:lvl7pPr marL="2743200" indent="0">
               <a:buNone/>
-              <a:defRPr sz="1600">
+              <a:defRPr sz="1400">
                 <a:solidFill>
                   <a:schemeClr val="tx1">
                     <a:tint val="75000"/>
@@ -972,7 +2031,7 @@
             </a:lvl7pPr>
             <a:lvl8pPr marL="3200400" indent="0">
               <a:buNone/>
-              <a:defRPr sz="1600">
+              <a:defRPr sz="1400">
                 <a:solidFill>
                   <a:schemeClr val="tx1">
                     <a:tint val="75000"/>
@@ -982,7 +2041,7 @@
             </a:lvl8pPr>
             <a:lvl9pPr marL="3657600" indent="0">
               <a:buNone/>
-              <a:defRPr sz="1600">
+              <a:defRPr sz="1400">
                 <a:solidFill>
                   <a:schemeClr val="tx1">
                     <a:tint val="75000"/>
@@ -1010,14 +2069,19 @@
             <p:ph type="dt" sz="half" idx="10"/>
           </p:nvPr>
         </p:nvSpPr>
-        <p:spPr/>
-        <p:txBody>
-          <a:bodyPr/>
-          <a:lstStyle/>
-          <a:p>
-            <a:fld id="{68C6934B-2C4D-4EC0-B44B-166FEB1D0CE8}" type="datetimeFigureOut">
-              <a:rPr lang="en-US" smtClean="0"/>
-              <a:t>9/27/2015</a:t>
+        <p:spPr>
+          <a:xfrm>
+            <a:off x="8593667" y="6272784"/>
+            <a:ext cx="2644309" cy="365125"/>
+          </a:xfrm>
+        </p:spPr>
+        <p:txBody>
+          <a:bodyPr/>
+          <a:lstStyle/>
+          <a:p>
+            <a:fld id="{7BC62A61-A1CE-453D-B1C9-EBA27A2F6638}" type="datetime1">
+              <a:rPr lang="en-US" smtClean="0"/>
+              <a:t>9/28/2015</a:t>
             </a:fld>
             <a:endParaRPr lang="en-US"/>
           </a:p>
@@ -1033,7 +2097,12 @@
             <p:ph type="ftr" sz="quarter" idx="11"/>
           </p:nvPr>
         </p:nvSpPr>
-        <p:spPr/>
+        <p:spPr>
+          <a:xfrm>
+            <a:off x="2182708" y="6272784"/>
+            <a:ext cx="6327648" cy="365125"/>
+          </a:xfrm>
+        </p:spPr>
         <p:txBody>
           <a:bodyPr/>
           <a:lstStyle/>
@@ -1042,6 +2111,90 @@
           </a:p>
         </p:txBody>
       </p:sp>
+      <p:grpSp>
+        <p:nvGrpSpPr>
+          <p:cNvPr id="8" name="Group 7"/>
+          <p:cNvGrpSpPr/>
+          <p:nvPr/>
+        </p:nvGrpSpPr>
+        <p:grpSpPr>
+          <a:xfrm>
+            <a:off x="897399" y="2325848"/>
+            <a:ext cx="1080904" cy="1080902"/>
+            <a:chOff x="9685338" y="4460675"/>
+            <a:chExt cx="1080904" cy="1080902"/>
+          </a:xfrm>
+        </p:grpSpPr>
+        <p:sp>
+          <p:nvSpPr>
+            <p:cNvPr id="9" name="Oval 8"/>
+            <p:cNvSpPr/>
+            <p:nvPr/>
+          </p:nvSpPr>
+          <p:spPr>
+            <a:xfrm>
+              <a:off x="9685338" y="4460675"/>
+              <a:ext cx="1080904" cy="1080902"/>
+            </a:xfrm>
+            <a:prstGeom prst="ellipse">
+              <a:avLst/>
+            </a:prstGeom>
+            <a:blipFill dpi="0" rotWithShape="1">
+              <a:blip r:embed="rId4">
+                <a:duotone>
+                  <a:schemeClr val="accent1">
+                    <a:shade val="45000"/>
+                    <a:satMod val="135000"/>
+                  </a:schemeClr>
+                  <a:prstClr val="white"/>
+                </a:duotone>
+                <a:extLst>
+                  <a:ext uri="{BEBA8EAE-BF5A-486C-A8C5-ECC9F3942E4B}">
+                    <a14:imgProps xmlns:a14="http://schemas.microsoft.com/office/drawing/2010/main">
+                      <a14:imgLayer r:embed="rId5">
+                        <a14:imgEffect>
+                          <a14:saturation sat="95000"/>
+                        </a14:imgEffect>
+                      </a14:imgLayer>
+                    </a14:imgProps>
+                  </a:ext>
+                </a:extLst>
+              </a:blip>
+              <a:srcRect/>
+              <a:tile tx="0" ty="0" sx="85000" sy="85000" flip="none" algn="tl"/>
+            </a:blipFill>
+            <a:ln w="25400" cap="flat" cmpd="sng" algn="ctr">
+              <a:noFill/>
+              <a:prstDash val="solid"/>
+            </a:ln>
+            <a:effectLst/>
+          </p:spPr>
+        </p:sp>
+        <p:sp>
+          <p:nvSpPr>
+            <p:cNvPr id="10" name="Oval 9"/>
+            <p:cNvSpPr/>
+            <p:nvPr/>
+          </p:nvSpPr>
+          <p:spPr>
+            <a:xfrm>
+              <a:off x="9793429" y="4568765"/>
+              <a:ext cx="864723" cy="864722"/>
+            </a:xfrm>
+            <a:prstGeom prst="ellipse">
+              <a:avLst/>
+            </a:prstGeom>
+            <a:noFill/>
+            <a:ln w="25400" cap="flat" cmpd="sng" algn="ctr">
+              <a:solidFill>
+                <a:sysClr val="window" lastClr="FFFFFF"/>
+              </a:solidFill>
+              <a:prstDash val="solid"/>
+            </a:ln>
+            <a:effectLst/>
+          </p:spPr>
+        </p:sp>
+      </p:grpSp>
       <p:sp>
         <p:nvSpPr>
           <p:cNvPr id="6" name="Slide Number Placeholder 5"/>
@@ -1052,10 +2205,19 @@
             <p:ph type="sldNum" sz="quarter" idx="12"/>
           </p:nvPr>
         </p:nvSpPr>
-        <p:spPr/>
-        <p:txBody>
-          <a:bodyPr/>
-          <a:lstStyle/>
+        <p:spPr>
+          <a:xfrm>
+            <a:off x="843702" y="2506133"/>
+            <a:ext cx="1188298" cy="720332"/>
+          </a:xfrm>
+        </p:spPr>
+        <p:txBody>
+          <a:bodyPr/>
+          <a:lstStyle>
+            <a:lvl1pPr>
+              <a:defRPr sz="2800"/>
+            </a:lvl1pPr>
+          </a:lstStyle>
           <a:p>
             <a:fld id="{84961F39-E58F-487C-8793-A7C1196B364E}" type="slidenum">
               <a:rPr lang="en-US" smtClean="0"/>
@@ -1068,7 +2230,7 @@
     </p:spTree>
     <p:extLst>
       <p:ext uri="{BB962C8B-B14F-4D97-AF65-F5344CB8AC3E}">
-        <p14:creationId xmlns:p14="http://schemas.microsoft.com/office/powerpoint/2010/main" val="4011232796"/>
+        <p14:creationId xmlns:p14="http://schemas.microsoft.com/office/powerpoint/2010/main" val="2424697614"/>
       </p:ext>
     </p:extLst>
   </p:cSld>
@@ -1114,7 +2276,7 @@
               <a:rPr lang="en-US" smtClean="0"/>
               <a:t>Click to edit Master title style</a:t>
             </a:r>
-            <a:endParaRPr lang="en-US"/>
+            <a:endParaRPr lang="en-US" dirty="0"/>
           </a:p>
         </p:txBody>
       </p:sp>
@@ -1130,13 +2292,41 @@
         </p:nvSpPr>
         <p:spPr>
           <a:xfrm>
-            <a:off x="838200" y="1825625"/>
-            <a:ext cx="5181600" cy="4351338"/>
+            <a:off x="1069848" y="2194560"/>
+            <a:ext cx="4754880" cy="3977640"/>
           </a:xfrm>
         </p:spPr>
         <p:txBody>
           <a:bodyPr/>
-          <a:lstStyle/>
+          <a:lstStyle>
+            <a:lvl1pPr>
+              <a:defRPr sz="2000"/>
+            </a:lvl1pPr>
+            <a:lvl2pPr>
+              <a:defRPr sz="1800"/>
+            </a:lvl2pPr>
+            <a:lvl3pPr>
+              <a:defRPr sz="1600"/>
+            </a:lvl3pPr>
+            <a:lvl4pPr>
+              <a:defRPr sz="1600"/>
+            </a:lvl4pPr>
+            <a:lvl5pPr>
+              <a:defRPr sz="1600"/>
+            </a:lvl5pPr>
+            <a:lvl6pPr>
+              <a:defRPr sz="1600"/>
+            </a:lvl6pPr>
+            <a:lvl7pPr>
+              <a:defRPr sz="1600"/>
+            </a:lvl7pPr>
+            <a:lvl8pPr>
+              <a:defRPr sz="1600"/>
+            </a:lvl8pPr>
+            <a:lvl9pPr>
+              <a:defRPr sz="1600"/>
+            </a:lvl9pPr>
+          </a:lstStyle>
           <a:p>
             <a:pPr lvl="0"/>
             <a:r>
@@ -1171,7 +2361,7 @@
               <a:rPr lang="en-US" smtClean="0"/>
               <a:t>Fifth level</a:t>
             </a:r>
-            <a:endParaRPr lang="en-US"/>
+            <a:endParaRPr lang="en-US" dirty="0"/>
           </a:p>
         </p:txBody>
       </p:sp>
@@ -1187,13 +2377,41 @@
         </p:nvSpPr>
         <p:spPr>
           <a:xfrm>
-            <a:off x="6172200" y="1825625"/>
-            <a:ext cx="5181600" cy="4351338"/>
+            <a:off x="6364224" y="2194560"/>
+            <a:ext cx="4754880" cy="3977640"/>
           </a:xfrm>
         </p:spPr>
         <p:txBody>
           <a:bodyPr/>
-          <a:lstStyle/>
+          <a:lstStyle>
+            <a:lvl1pPr>
+              <a:defRPr sz="2000"/>
+            </a:lvl1pPr>
+            <a:lvl2pPr>
+              <a:defRPr sz="1800"/>
+            </a:lvl2pPr>
+            <a:lvl3pPr>
+              <a:defRPr sz="1600"/>
+            </a:lvl3pPr>
+            <a:lvl4pPr>
+              <a:defRPr sz="1600"/>
+            </a:lvl4pPr>
+            <a:lvl5pPr>
+              <a:defRPr sz="1600"/>
+            </a:lvl5pPr>
+            <a:lvl6pPr>
+              <a:defRPr sz="1600"/>
+            </a:lvl6pPr>
+            <a:lvl7pPr>
+              <a:defRPr sz="1600"/>
+            </a:lvl7pPr>
+            <a:lvl8pPr>
+              <a:defRPr sz="1600"/>
+            </a:lvl8pPr>
+            <a:lvl9pPr>
+              <a:defRPr sz="1600"/>
+            </a:lvl9pPr>
+          </a:lstStyle>
           <a:p>
             <a:pPr lvl="0"/>
             <a:r>
@@ -1228,7 +2446,7 @@
               <a:rPr lang="en-US" smtClean="0"/>
               <a:t>Fifth level</a:t>
             </a:r>
-            <a:endParaRPr lang="en-US"/>
+            <a:endParaRPr lang="en-US" dirty="0"/>
           </a:p>
         </p:txBody>
       </p:sp>
@@ -1247,9 +2465,9 @@
           <a:bodyPr/>
           <a:lstStyle/>
           <a:p>
-            <a:fld id="{68C6934B-2C4D-4EC0-B44B-166FEB1D0CE8}" type="datetimeFigureOut">
-              <a:rPr lang="en-US" smtClean="0"/>
-              <a:t>9/27/2015</a:t>
+            <a:fld id="{CE0DC798-081E-4478-B319-DBE38F379A7E}" type="datetime1">
+              <a:rPr lang="en-US" smtClean="0"/>
+              <a:t>9/28/2015</a:t>
             </a:fld>
             <a:endParaRPr lang="en-US"/>
           </a:p>
@@ -1300,7 +2518,7 @@
     </p:spTree>
     <p:extLst>
       <p:ext uri="{BB962C8B-B14F-4D97-AF65-F5344CB8AC3E}">
-        <p14:creationId xmlns:p14="http://schemas.microsoft.com/office/powerpoint/2010/main" val="2197245592"/>
+        <p14:creationId xmlns:p14="http://schemas.microsoft.com/office/powerpoint/2010/main" val="2502065508"/>
       </p:ext>
     </p:extLst>
   </p:cSld>
@@ -1329,54 +2547,57 @@
       </p:grpSpPr>
       <p:sp>
         <p:nvSpPr>
-          <p:cNvPr id="2" name="Title 1"/>
+          <p:cNvPr id="10" name="Title 9"/>
           <p:cNvSpPr>
             <a:spLocks noGrp="1"/>
           </p:cNvSpPr>
           <p:nvPr>
             <p:ph type="title"/>
+          </p:nvPr>
+        </p:nvSpPr>
+        <p:spPr/>
+        <p:txBody>
+          <a:bodyPr/>
+          <a:lstStyle/>
+          <a:p>
+            <a:r>
+              <a:rPr lang="en-US" smtClean="0"/>
+              <a:t>Click to edit Master title style</a:t>
+            </a:r>
+            <a:endParaRPr lang="en-US" dirty="0"/>
+          </a:p>
+        </p:txBody>
+      </p:sp>
+      <p:sp>
+        <p:nvSpPr>
+          <p:cNvPr id="3" name="Text Placeholder 2"/>
+          <p:cNvSpPr>
+            <a:spLocks noGrp="1"/>
+          </p:cNvSpPr>
+          <p:nvPr>
+            <p:ph type="body" idx="1"/>
           </p:nvPr>
         </p:nvSpPr>
         <p:spPr>
           <a:xfrm>
-            <a:off x="839788" y="365125"/>
-            <a:ext cx="10515600" cy="1325563"/>
+            <a:off x="1066800" y="2048256"/>
+            <a:ext cx="4754880" cy="640080"/>
           </a:xfrm>
         </p:spPr>
         <p:txBody>
-          <a:bodyPr/>
-          <a:lstStyle/>
-          <a:p>
-            <a:r>
-              <a:rPr lang="en-US" smtClean="0"/>
-              <a:t>Click to edit Master title style</a:t>
-            </a:r>
-            <a:endParaRPr lang="en-US"/>
-          </a:p>
-        </p:txBody>
-      </p:sp>
-      <p:sp>
-        <p:nvSpPr>
-          <p:cNvPr id="3" name="Text Placeholder 2"/>
-          <p:cNvSpPr>
-            <a:spLocks noGrp="1"/>
-          </p:cNvSpPr>
-          <p:nvPr>
-            <p:ph type="body" idx="1"/>
-          </p:nvPr>
-        </p:nvSpPr>
-        <p:spPr>
-          <a:xfrm>
-            <a:off x="839788" y="1681163"/>
-            <a:ext cx="5157787" cy="823912"/>
-          </a:xfrm>
-        </p:spPr>
-        <p:txBody>
-          <a:bodyPr anchor="b"/>
+          <a:bodyPr anchor="ctr">
+            <a:normAutofit/>
+          </a:bodyPr>
           <a:lstStyle>
             <a:lvl1pPr marL="0" indent="0">
               <a:buNone/>
-              <a:defRPr sz="2400" b="1"/>
+              <a:defRPr sz="2000" b="1">
+                <a:solidFill>
+                  <a:schemeClr val="accent1">
+                    <a:lumMod val="75000"/>
+                  </a:schemeClr>
+                </a:solidFill>
+              </a:defRPr>
             </a:lvl1pPr>
             <a:lvl2pPr marL="457200" indent="0">
               <a:buNone/>
@@ -1432,13 +2653,41 @@
         </p:nvSpPr>
         <p:spPr>
           <a:xfrm>
-            <a:off x="839788" y="2505075"/>
-            <a:ext cx="5157787" cy="3684588"/>
+            <a:off x="1069848" y="2743200"/>
+            <a:ext cx="4754880" cy="3291840"/>
           </a:xfrm>
         </p:spPr>
         <p:txBody>
           <a:bodyPr/>
-          <a:lstStyle/>
+          <a:lstStyle>
+            <a:lvl1pPr>
+              <a:defRPr sz="2000"/>
+            </a:lvl1pPr>
+            <a:lvl2pPr>
+              <a:defRPr sz="1800"/>
+            </a:lvl2pPr>
+            <a:lvl3pPr>
+              <a:defRPr sz="1600"/>
+            </a:lvl3pPr>
+            <a:lvl4pPr>
+              <a:defRPr sz="1600"/>
+            </a:lvl4pPr>
+            <a:lvl5pPr>
+              <a:defRPr sz="1600"/>
+            </a:lvl5pPr>
+            <a:lvl6pPr>
+              <a:defRPr sz="1600"/>
+            </a:lvl6pPr>
+            <a:lvl7pPr>
+              <a:defRPr sz="1600"/>
+            </a:lvl7pPr>
+            <a:lvl8pPr>
+              <a:defRPr sz="1600"/>
+            </a:lvl8pPr>
+            <a:lvl9pPr>
+              <a:defRPr sz="1600"/>
+            </a:lvl9pPr>
+          </a:lstStyle>
           <a:p>
             <a:pPr lvl="0"/>
             <a:r>
@@ -1473,7 +2722,7 @@
               <a:rPr lang="en-US" smtClean="0"/>
               <a:t>Fifth level</a:t>
             </a:r>
-            <a:endParaRPr lang="en-US"/>
+            <a:endParaRPr lang="en-US" dirty="0"/>
           </a:p>
         </p:txBody>
       </p:sp>
@@ -1489,16 +2738,24 @@
         </p:nvSpPr>
         <p:spPr>
           <a:xfrm>
-            <a:off x="6172200" y="1681163"/>
-            <a:ext cx="5183188" cy="823912"/>
+            <a:off x="6364224" y="2048256"/>
+            <a:ext cx="4754880" cy="640080"/>
           </a:xfrm>
         </p:spPr>
         <p:txBody>
-          <a:bodyPr anchor="b"/>
+          <a:bodyPr anchor="ctr">
+            <a:normAutofit/>
+          </a:bodyPr>
           <a:lstStyle>
             <a:lvl1pPr marL="0" indent="0">
               <a:buNone/>
-              <a:defRPr sz="2400" b="1"/>
+              <a:defRPr sz="2000" b="1">
+                <a:solidFill>
+                  <a:schemeClr val="accent1">
+                    <a:lumMod val="75000"/>
+                  </a:schemeClr>
+                </a:solidFill>
+              </a:defRPr>
             </a:lvl1pPr>
             <a:lvl2pPr marL="457200" indent="0">
               <a:buNone/>
@@ -1554,13 +2811,41 @@
         </p:nvSpPr>
         <p:spPr>
           <a:xfrm>
-            <a:off x="6172200" y="2505075"/>
-            <a:ext cx="5183188" cy="3684588"/>
+            <a:off x="6364224" y="2743200"/>
+            <a:ext cx="4754880" cy="3291840"/>
           </a:xfrm>
         </p:spPr>
         <p:txBody>
           <a:bodyPr/>
-          <a:lstStyle/>
+          <a:lstStyle>
+            <a:lvl1pPr>
+              <a:defRPr sz="2000"/>
+            </a:lvl1pPr>
+            <a:lvl2pPr>
+              <a:defRPr sz="1800"/>
+            </a:lvl2pPr>
+            <a:lvl3pPr>
+              <a:defRPr sz="1600"/>
+            </a:lvl3pPr>
+            <a:lvl4pPr>
+              <a:defRPr sz="1600"/>
+            </a:lvl4pPr>
+            <a:lvl5pPr>
+              <a:defRPr sz="1600"/>
+            </a:lvl5pPr>
+            <a:lvl6pPr>
+              <a:defRPr sz="1600"/>
+            </a:lvl6pPr>
+            <a:lvl7pPr>
+              <a:defRPr sz="1600"/>
+            </a:lvl7pPr>
+            <a:lvl8pPr>
+              <a:defRPr sz="1600"/>
+            </a:lvl8pPr>
+            <a:lvl9pPr>
+              <a:defRPr sz="1600"/>
+            </a:lvl9pPr>
+          </a:lstStyle>
           <a:p>
             <a:pPr lvl="0"/>
             <a:r>
@@ -1595,7 +2880,7 @@
               <a:rPr lang="en-US" smtClean="0"/>
               <a:t>Fifth level</a:t>
             </a:r>
-            <a:endParaRPr lang="en-US"/>
+            <a:endParaRPr lang="en-US" dirty="0"/>
           </a:p>
         </p:txBody>
       </p:sp>
@@ -1614,9 +2899,9 @@
           <a:bodyPr/>
           <a:lstStyle/>
           <a:p>
-            <a:fld id="{68C6934B-2C4D-4EC0-B44B-166FEB1D0CE8}" type="datetimeFigureOut">
-              <a:rPr lang="en-US" smtClean="0"/>
-              <a:t>9/27/2015</a:t>
+            <a:fld id="{6FFEC5C0-A8CE-41E5-ADF5-395E4FE50090}" type="datetime1">
+              <a:rPr lang="en-US" smtClean="0"/>
+              <a:t>9/28/2015</a:t>
             </a:fld>
             <a:endParaRPr lang="en-US"/>
           </a:p>
@@ -1667,7 +2952,7 @@
     </p:spTree>
     <p:extLst>
       <p:ext uri="{BB962C8B-B14F-4D97-AF65-F5344CB8AC3E}">
-        <p14:creationId xmlns:p14="http://schemas.microsoft.com/office/powerpoint/2010/main" val="1880161622"/>
+        <p14:creationId xmlns:p14="http://schemas.microsoft.com/office/powerpoint/2010/main" val="1859662736"/>
       </p:ext>
     </p:extLst>
   </p:cSld>
@@ -1696,7 +2981,7 @@
       </p:grpSpPr>
       <p:sp>
         <p:nvSpPr>
-          <p:cNvPr id="2" name="Title 1"/>
+          <p:cNvPr id="6" name="Title 5"/>
           <p:cNvSpPr>
             <a:spLocks noGrp="1"/>
           </p:cNvSpPr>
@@ -1713,7 +2998,7 @@
               <a:rPr lang="en-US" smtClean="0"/>
               <a:t>Click to edit Master title style</a:t>
             </a:r>
-            <a:endParaRPr lang="en-US"/>
+            <a:endParaRPr lang="en-US" dirty="0"/>
           </a:p>
         </p:txBody>
       </p:sp>
@@ -1732,9 +3017,9 @@
           <a:bodyPr/>
           <a:lstStyle/>
           <a:p>
-            <a:fld id="{68C6934B-2C4D-4EC0-B44B-166FEB1D0CE8}" type="datetimeFigureOut">
-              <a:rPr lang="en-US" smtClean="0"/>
-              <a:t>9/27/2015</a:t>
+            <a:fld id="{27B9F01B-FE61-4C63-B1DA-31B4A2582436}" type="datetime1">
+              <a:rPr lang="en-US" smtClean="0"/>
+              <a:t>9/28/2015</a:t>
             </a:fld>
             <a:endParaRPr lang="en-US"/>
           </a:p>
@@ -1785,7 +3070,7 @@
     </p:spTree>
     <p:extLst>
       <p:ext uri="{BB962C8B-B14F-4D97-AF65-F5344CB8AC3E}">
-        <p14:creationId xmlns:p14="http://schemas.microsoft.com/office/powerpoint/2010/main" val="80344453"/>
+        <p14:creationId xmlns:p14="http://schemas.microsoft.com/office/powerpoint/2010/main" val="2709707545"/>
       </p:ext>
     </p:extLst>
   </p:cSld>
@@ -1827,9 +3112,9 @@
           <a:bodyPr/>
           <a:lstStyle/>
           <a:p>
-            <a:fld id="{68C6934B-2C4D-4EC0-B44B-166FEB1D0CE8}" type="datetimeFigureOut">
-              <a:rPr lang="en-US" smtClean="0"/>
-              <a:t>9/27/2015</a:t>
+            <a:fld id="{020F14FA-42D6-4C1C-9296-16B92F6838DA}" type="datetime1">
+              <a:rPr lang="en-US" smtClean="0"/>
+              <a:t>9/28/2015</a:t>
             </a:fld>
             <a:endParaRPr lang="en-US"/>
           </a:p>
@@ -1880,7 +3165,7 @@
     </p:spTree>
     <p:extLst>
       <p:ext uri="{BB962C8B-B14F-4D97-AF65-F5344CB8AC3E}">
-        <p14:creationId xmlns:p14="http://schemas.microsoft.com/office/powerpoint/2010/main" val="1480552707"/>
+        <p14:creationId xmlns:p14="http://schemas.microsoft.com/office/powerpoint/2010/main" val="2874495573"/>
       </p:ext>
     </p:extLst>
   </p:cSld>
@@ -1891,7 +3176,7 @@
 </file>
 
 <file path=ppt/slideLayouts/slideLayout8.xml><?xml version="1.0" encoding="utf-8"?>
-<p:sldLayout xmlns:a="http://schemas.openxmlformats.org/drawingml/2006/main" xmlns:r="http://schemas.openxmlformats.org/officeDocument/2006/relationships" xmlns:p="http://schemas.openxmlformats.org/presentationml/2006/main" type="objTx" preserve="1">
+<p:sldLayout xmlns:a="http://schemas.openxmlformats.org/drawingml/2006/main" xmlns:r="http://schemas.openxmlformats.org/officeDocument/2006/relationships" xmlns:p="http://schemas.openxmlformats.org/presentationml/2006/main" showMasterSp="0" type="objTx" preserve="1">
   <p:cSld name="Content with Caption">
     <p:spTree>
       <p:nvGrpSpPr>
@@ -1909,25 +3194,84 @@
       </p:grpSpPr>
       <p:sp>
         <p:nvSpPr>
-          <p:cNvPr id="2" name="Title 1"/>
-          <p:cNvSpPr>
-            <a:spLocks noGrp="1"/>
-          </p:cNvSpPr>
-          <p:nvPr>
-            <p:ph type="title"/>
-          </p:nvPr>
+          <p:cNvPr id="8" name="Rectangle 7"/>
+          <p:cNvSpPr/>
+          <p:nvPr/>
         </p:nvSpPr>
         <p:spPr>
           <a:xfrm>
-            <a:off x="839788" y="457200"/>
-            <a:ext cx="3932237" cy="1600200"/>
+            <a:off x="8303740" y="0"/>
+            <a:ext cx="3888259" cy="6857999"/>
+          </a:xfrm>
+          <a:prstGeom prst="rect">
+            <a:avLst/>
+          </a:prstGeom>
+          <a:blipFill dpi="0" rotWithShape="1">
+            <a:blip r:embed="rId2">
+              <a:alphaModFix amt="60000"/>
+              <a:lum bright="70000" contrast="-70000"/>
+              <a:extLst>
+                <a:ext uri="{BEBA8EAE-BF5A-486C-A8C5-ECC9F3942E4B}">
+                  <a14:imgProps xmlns:a14="http://schemas.microsoft.com/office/drawing/2010/main">
+                    <a14:imgLayer r:embed="rId3">
+                      <a14:imgEffect>
+                        <a14:sharpenSoften amount="61000"/>
+                      </a14:imgEffect>
+                    </a14:imgLayer>
+                  </a14:imgProps>
+                </a:ext>
+                <a:ext uri="{28A0092B-C50C-407E-A947-70E740481C1C}">
+                  <a14:useLocalDpi xmlns:a14="http://schemas.microsoft.com/office/drawing/2010/main" val="0"/>
+                </a:ext>
+              </a:extLst>
+            </a:blip>
+            <a:srcRect/>
+            <a:tile tx="0" ty="-704850" sx="92000" sy="89000" flip="xy" algn="ctr"/>
+          </a:blipFill>
+          <a:ln>
+            <a:noFill/>
+          </a:ln>
+        </p:spPr>
+        <p:style>
+          <a:lnRef idx="2">
+            <a:schemeClr val="accent1">
+              <a:shade val="50000"/>
+            </a:schemeClr>
+          </a:lnRef>
+          <a:fillRef idx="1">
+            <a:schemeClr val="accent1"/>
+          </a:fillRef>
+          <a:effectRef idx="0">
+            <a:schemeClr val="accent1"/>
+          </a:effectRef>
+          <a:fontRef idx="minor">
+            <a:schemeClr val="lt1"/>
+          </a:fontRef>
+        </p:style>
+      </p:sp>
+      <p:sp>
+        <p:nvSpPr>
+          <p:cNvPr id="2" name="Title 1"/>
+          <p:cNvSpPr>
+            <a:spLocks noGrp="1"/>
+          </p:cNvSpPr>
+          <p:nvPr>
+            <p:ph type="title"/>
+          </p:nvPr>
+        </p:nvSpPr>
+        <p:spPr>
+          <a:xfrm>
+            <a:off x="8549640" y="685800"/>
+            <a:ext cx="3200400" cy="1737360"/>
           </a:xfrm>
         </p:spPr>
         <p:txBody>
-          <a:bodyPr anchor="b"/>
+          <a:bodyPr anchor="b">
+            <a:normAutofit/>
+          </a:bodyPr>
           <a:lstStyle>
             <a:lvl1pPr>
-              <a:defRPr sz="3200"/>
+              <a:defRPr sz="3200" b="1"/>
             </a:lvl1pPr>
           </a:lstStyle>
           <a:p>
@@ -1935,7 +3279,7 @@
               <a:rPr lang="en-US" smtClean="0"/>
               <a:t>Click to edit Master title style</a:t>
             </a:r>
-            <a:endParaRPr lang="en-US"/>
+            <a:endParaRPr lang="en-US" dirty="0"/>
           </a:p>
         </p:txBody>
       </p:sp>
@@ -1951,39 +3295,39 @@
         </p:nvSpPr>
         <p:spPr>
           <a:xfrm>
-            <a:off x="5183188" y="987425"/>
-            <a:ext cx="6172200" cy="4873625"/>
+            <a:off x="838200" y="685800"/>
+            <a:ext cx="6711696" cy="5020056"/>
           </a:xfrm>
         </p:spPr>
         <p:txBody>
           <a:bodyPr/>
           <a:lstStyle>
             <a:lvl1pPr>
-              <a:defRPr sz="3200"/>
+              <a:defRPr sz="2000"/>
             </a:lvl1pPr>
             <a:lvl2pPr>
-              <a:defRPr sz="2800"/>
+              <a:defRPr sz="1800"/>
             </a:lvl2pPr>
             <a:lvl3pPr>
-              <a:defRPr sz="2400"/>
+              <a:defRPr sz="1600"/>
             </a:lvl3pPr>
             <a:lvl4pPr>
-              <a:defRPr sz="2000"/>
+              <a:defRPr sz="1600"/>
             </a:lvl4pPr>
             <a:lvl5pPr>
-              <a:defRPr sz="2000"/>
+              <a:defRPr sz="1600"/>
             </a:lvl5pPr>
             <a:lvl6pPr>
-              <a:defRPr sz="2000"/>
+              <a:defRPr sz="1600"/>
             </a:lvl6pPr>
             <a:lvl7pPr>
-              <a:defRPr sz="2000"/>
+              <a:defRPr sz="1600"/>
             </a:lvl7pPr>
             <a:lvl8pPr>
-              <a:defRPr sz="2000"/>
+              <a:defRPr sz="1600"/>
             </a:lvl8pPr>
             <a:lvl9pPr>
-              <a:defRPr sz="2000"/>
+              <a:defRPr sz="1600"/>
             </a:lvl9pPr>
           </a:lstStyle>
           <a:p>
@@ -2020,7 +3364,7 @@
               <a:rPr lang="en-US" smtClean="0"/>
               <a:t>Fifth level</a:t>
             </a:r>
-            <a:endParaRPr lang="en-US"/>
+            <a:endParaRPr lang="en-US" dirty="0"/>
           </a:p>
         </p:txBody>
       </p:sp>
@@ -2036,48 +3380,62 @@
         </p:nvSpPr>
         <p:spPr>
           <a:xfrm>
-            <a:off x="839788" y="2057400"/>
-            <a:ext cx="3932237" cy="3811588"/>
+            <a:off x="8549640" y="2423160"/>
+            <a:ext cx="3200400" cy="3291840"/>
           </a:xfrm>
         </p:spPr>
         <p:txBody>
-          <a:bodyPr/>
+          <a:bodyPr>
+            <a:normAutofit/>
+          </a:bodyPr>
           <a:lstStyle>
             <a:lvl1pPr marL="0" indent="0">
-              <a:buNone/>
-              <a:defRPr sz="1600"/>
+              <a:lnSpc>
+                <a:spcPct val="100000"/>
+              </a:lnSpc>
+              <a:spcBef>
+                <a:spcPts val="1000"/>
+              </a:spcBef>
+              <a:buNone/>
+              <a:defRPr sz="1400">
+                <a:solidFill>
+                  <a:schemeClr val="accent1">
+                    <a:lumMod val="75000"/>
+                  </a:schemeClr>
+                </a:solidFill>
+              </a:defRPr>
             </a:lvl1pPr>
             <a:lvl2pPr marL="457200" indent="0">
               <a:buNone/>
-              <a:defRPr sz="1400"/>
+              <a:defRPr sz="1200"/>
             </a:lvl2pPr>
             <a:lvl3pPr marL="914400" indent="0">
               <a:buNone/>
-              <a:defRPr sz="1200"/>
+              <a:defRPr sz="1000"/>
             </a:lvl3pPr>
             <a:lvl4pPr marL="1371600" indent="0">
               <a:buNone/>
-              <a:defRPr sz="1000"/>
+              <a:defRPr sz="900"/>
             </a:lvl4pPr>
             <a:lvl5pPr marL="1828800" indent="0">
               <a:buNone/>
-              <a:defRPr sz="1000"/>
+              <a:defRPr sz="900"/>
             </a:lvl5pPr>
             <a:lvl6pPr marL="2286000" indent="0">
               <a:buNone/>
-              <a:defRPr sz="1000"/>
+              <a:defRPr sz="900"/>
             </a:lvl6pPr>
             <a:lvl7pPr marL="2743200" indent="0">
               <a:buNone/>
-              <a:defRPr sz="1000"/>
+              <a:defRPr sz="900"/>
             </a:lvl7pPr>
             <a:lvl8pPr marL="3200400" indent="0">
               <a:buNone/>
-              <a:defRPr sz="1000"/>
+              <a:defRPr sz="900"/>
             </a:lvl8pPr>
             <a:lvl9pPr marL="3657600" indent="0">
               <a:buNone/>
-              <a:defRPr sz="1000"/>
+              <a:defRPr sz="900"/>
             </a:lvl9pPr>
           </a:lstStyle>
           <a:p>
@@ -2104,9 +3462,9 @@
           <a:bodyPr/>
           <a:lstStyle/>
           <a:p>
-            <a:fld id="{68C6934B-2C4D-4EC0-B44B-166FEB1D0CE8}" type="datetimeFigureOut">
-              <a:rPr lang="en-US" smtClean="0"/>
-              <a:t>9/27/2015</a:t>
+            <a:fld id="{8212DA96-DC2C-46EF-88CA-1A24585D3E0F}" type="datetime1">
+              <a:rPr lang="en-US" smtClean="0"/>
+              <a:t>9/28/2015</a:t>
             </a:fld>
             <a:endParaRPr lang="en-US"/>
           </a:p>
@@ -2131,6 +3489,95 @@
           </a:p>
         </p:txBody>
       </p:sp>
+      <p:grpSp>
+        <p:nvGrpSpPr>
+          <p:cNvPr id="9" name="Group 8"/>
+          <p:cNvGrpSpPr>
+            <a:grpSpLocks noChangeAspect="1"/>
+          </p:cNvGrpSpPr>
+          <p:nvPr/>
+        </p:nvGrpSpPr>
+        <p:grpSpPr>
+          <a:xfrm>
+            <a:off x="11401725" y="6229681"/>
+            <a:ext cx="457200" cy="457200"/>
+            <a:chOff x="11361456" y="6195813"/>
+            <a:chExt cx="548640" cy="548640"/>
+          </a:xfrm>
+        </p:grpSpPr>
+        <p:sp>
+          <p:nvSpPr>
+            <p:cNvPr id="10" name="Oval 9"/>
+            <p:cNvSpPr/>
+            <p:nvPr/>
+          </p:nvSpPr>
+          <p:spPr>
+            <a:xfrm>
+              <a:off x="11361456" y="6195813"/>
+              <a:ext cx="548640" cy="548640"/>
+            </a:xfrm>
+            <a:prstGeom prst="ellipse">
+              <a:avLst/>
+            </a:prstGeom>
+            <a:blipFill dpi="0" rotWithShape="1">
+              <a:blip r:embed="rId4">
+                <a:duotone>
+                  <a:schemeClr val="accent1">
+                    <a:shade val="45000"/>
+                    <a:satMod val="135000"/>
+                  </a:schemeClr>
+                  <a:prstClr val="white"/>
+                </a:duotone>
+                <a:extLst>
+                  <a:ext uri="{BEBA8EAE-BF5A-486C-A8C5-ECC9F3942E4B}">
+                    <a14:imgProps xmlns:a14="http://schemas.microsoft.com/office/drawing/2010/main">
+                      <a14:imgLayer r:embed="rId5">
+                        <a14:imgEffect>
+                          <a14:saturation sat="95000"/>
+                        </a14:imgEffect>
+                        <a14:imgEffect>
+                          <a14:brightnessContrast bright="-40000" contrast="20000"/>
+                        </a14:imgEffect>
+                      </a14:imgLayer>
+                    </a14:imgProps>
+                  </a:ext>
+                </a:extLst>
+              </a:blip>
+              <a:srcRect/>
+              <a:tile tx="50800" ty="0" sx="85000" sy="85000" flip="none" algn="tl"/>
+            </a:blipFill>
+            <a:ln w="25400" cap="flat" cmpd="sng" algn="ctr">
+              <a:noFill/>
+              <a:prstDash val="solid"/>
+            </a:ln>
+            <a:effectLst/>
+          </p:spPr>
+        </p:sp>
+        <p:sp>
+          <p:nvSpPr>
+            <p:cNvPr id="11" name="Oval 10"/>
+            <p:cNvSpPr/>
+            <p:nvPr/>
+          </p:nvSpPr>
+          <p:spPr>
+            <a:xfrm>
+              <a:off x="11396488" y="6230844"/>
+              <a:ext cx="478576" cy="478578"/>
+            </a:xfrm>
+            <a:prstGeom prst="ellipse">
+              <a:avLst/>
+            </a:prstGeom>
+            <a:noFill/>
+            <a:ln w="12700" cap="flat" cmpd="sng" algn="ctr">
+              <a:solidFill>
+                <a:sysClr val="window" lastClr="FFFFFF"/>
+              </a:solidFill>
+              <a:prstDash val="solid"/>
+            </a:ln>
+            <a:effectLst/>
+          </p:spPr>
+        </p:sp>
+      </p:grpSp>
       <p:sp>
         <p:nvSpPr>
           <p:cNvPr id="7" name="Slide Number Placeholder 6"/>
@@ -2157,7 +3604,7 @@
     </p:spTree>
     <p:extLst>
       <p:ext uri="{BB962C8B-B14F-4D97-AF65-F5344CB8AC3E}">
-        <p14:creationId xmlns:p14="http://schemas.microsoft.com/office/powerpoint/2010/main" val="3965226071"/>
+        <p14:creationId xmlns:p14="http://schemas.microsoft.com/office/powerpoint/2010/main" val="2386165431"/>
       </p:ext>
     </p:extLst>
   </p:cSld>
@@ -2168,7 +3615,7 @@
 </file>
 
 <file path=ppt/slideLayouts/slideLayout9.xml><?xml version="1.0" encoding="utf-8"?>
-<p:sldLayout xmlns:a="http://schemas.openxmlformats.org/drawingml/2006/main" xmlns:r="http://schemas.openxmlformats.org/officeDocument/2006/relationships" xmlns:p="http://schemas.openxmlformats.org/presentationml/2006/main" type="picTx" preserve="1">
+<p:sldLayout xmlns:a="http://schemas.openxmlformats.org/drawingml/2006/main" xmlns:r="http://schemas.openxmlformats.org/officeDocument/2006/relationships" xmlns:p="http://schemas.openxmlformats.org/presentationml/2006/main" showMasterSp="0" type="picTx" preserve="1">
   <p:cSld name="Picture with Caption">
     <p:spTree>
       <p:nvGrpSpPr>
@@ -2186,25 +3633,84 @@
       </p:grpSpPr>
       <p:sp>
         <p:nvSpPr>
-          <p:cNvPr id="2" name="Title 1"/>
-          <p:cNvSpPr>
-            <a:spLocks noGrp="1"/>
-          </p:cNvSpPr>
-          <p:nvPr>
-            <p:ph type="title"/>
-          </p:nvPr>
+          <p:cNvPr id="11" name="Rectangle 10"/>
+          <p:cNvSpPr/>
+          <p:nvPr/>
         </p:nvSpPr>
         <p:spPr>
           <a:xfrm>
-            <a:off x="839788" y="457200"/>
-            <a:ext cx="3932237" cy="1600200"/>
+            <a:off x="8303740" y="0"/>
+            <a:ext cx="3888259" cy="6857999"/>
+          </a:xfrm>
+          <a:prstGeom prst="rect">
+            <a:avLst/>
+          </a:prstGeom>
+          <a:blipFill dpi="0" rotWithShape="1">
+            <a:blip r:embed="rId2">
+              <a:alphaModFix amt="60000"/>
+              <a:lum bright="70000" contrast="-70000"/>
+              <a:extLst>
+                <a:ext uri="{BEBA8EAE-BF5A-486C-A8C5-ECC9F3942E4B}">
+                  <a14:imgProps xmlns:a14="http://schemas.microsoft.com/office/drawing/2010/main">
+                    <a14:imgLayer r:embed="rId3">
+                      <a14:imgEffect>
+                        <a14:sharpenSoften amount="61000"/>
+                      </a14:imgEffect>
+                    </a14:imgLayer>
+                  </a14:imgProps>
+                </a:ext>
+                <a:ext uri="{28A0092B-C50C-407E-A947-70E740481C1C}">
+                  <a14:useLocalDpi xmlns:a14="http://schemas.microsoft.com/office/drawing/2010/main" val="0"/>
+                </a:ext>
+              </a:extLst>
+            </a:blip>
+            <a:srcRect/>
+            <a:tile tx="0" ty="-704850" sx="92000" sy="89000" flip="xy" algn="ctr"/>
+          </a:blipFill>
+          <a:ln>
+            <a:noFill/>
+          </a:ln>
+        </p:spPr>
+        <p:style>
+          <a:lnRef idx="2">
+            <a:schemeClr val="accent1">
+              <a:shade val="50000"/>
+            </a:schemeClr>
+          </a:lnRef>
+          <a:fillRef idx="1">
+            <a:schemeClr val="accent1"/>
+          </a:fillRef>
+          <a:effectRef idx="0">
+            <a:schemeClr val="accent1"/>
+          </a:effectRef>
+          <a:fontRef idx="minor">
+            <a:schemeClr val="lt1"/>
+          </a:fontRef>
+        </p:style>
+      </p:sp>
+      <p:sp>
+        <p:nvSpPr>
+          <p:cNvPr id="2" name="Title 1"/>
+          <p:cNvSpPr>
+            <a:spLocks noGrp="1"/>
+          </p:cNvSpPr>
+          <p:nvPr>
+            <p:ph type="title"/>
+          </p:nvPr>
+        </p:nvSpPr>
+        <p:spPr>
+          <a:xfrm>
+            <a:off x="8549640" y="685800"/>
+            <a:ext cx="3200400" cy="1737360"/>
           </a:xfrm>
         </p:spPr>
         <p:txBody>
-          <a:bodyPr anchor="b"/>
+          <a:bodyPr anchor="b">
+            <a:normAutofit/>
+          </a:bodyPr>
           <a:lstStyle>
             <a:lvl1pPr>
-              <a:defRPr sz="3200"/>
+              <a:defRPr sz="3200" b="1"/>
             </a:lvl1pPr>
           </a:lstStyle>
           <a:p>
@@ -2212,7 +3718,7 @@
               <a:rPr lang="en-US" smtClean="0"/>
               <a:t>Click to edit Master title style</a:t>
             </a:r>
-            <a:endParaRPr lang="en-US"/>
+            <a:endParaRPr lang="en-US" dirty="0"/>
           </a:p>
         </p:txBody>
       </p:sp>
@@ -2220,7 +3726,7 @@
         <p:nvSpPr>
           <p:cNvPr id="3" name="Picture Placeholder 2"/>
           <p:cNvSpPr>
-            <a:spLocks noGrp="1"/>
+            <a:spLocks noGrp="1" noChangeAspect="1"/>
           </p:cNvSpPr>
           <p:nvPr>
             <p:ph type="pic" idx="1"/>
@@ -2228,12 +3734,18 @@
         </p:nvSpPr>
         <p:spPr>
           <a:xfrm>
-            <a:off x="5183188" y="987425"/>
-            <a:ext cx="6172200" cy="4873625"/>
+            <a:off x="0" y="0"/>
+            <a:ext cx="8303740" cy="6858000"/>
           </a:xfrm>
+          <a:solidFill>
+            <a:schemeClr val="tx2">
+              <a:lumMod val="20000"/>
+              <a:lumOff val="80000"/>
+            </a:schemeClr>
+          </a:solidFill>
         </p:spPr>
         <p:txBody>
-          <a:bodyPr/>
+          <a:bodyPr anchor="t"/>
           <a:lstStyle>
             <a:lvl1pPr marL="0" indent="0">
               <a:buNone/>
@@ -2273,7 +3785,11 @@
             </a:lvl9pPr>
           </a:lstStyle>
           <a:p>
-            <a:endParaRPr lang="en-US"/>
+            <a:r>
+              <a:rPr lang="en-US" smtClean="0"/>
+              <a:t>Click icon to add picture</a:t>
+            </a:r>
+            <a:endParaRPr lang="en-US" dirty="0"/>
           </a:p>
         </p:txBody>
       </p:sp>
@@ -2289,48 +3805,62 @@
         </p:nvSpPr>
         <p:spPr>
           <a:xfrm>
-            <a:off x="839788" y="2057400"/>
-            <a:ext cx="3932237" cy="3811588"/>
+            <a:off x="8549640" y="2423160"/>
+            <a:ext cx="3200400" cy="3291840"/>
           </a:xfrm>
         </p:spPr>
         <p:txBody>
-          <a:bodyPr/>
+          <a:bodyPr>
+            <a:normAutofit/>
+          </a:bodyPr>
           <a:lstStyle>
             <a:lvl1pPr marL="0" indent="0">
-              <a:buNone/>
-              <a:defRPr sz="1600"/>
+              <a:lnSpc>
+                <a:spcPct val="100000"/>
+              </a:lnSpc>
+              <a:spcBef>
+                <a:spcPts val="1000"/>
+              </a:spcBef>
+              <a:buNone/>
+              <a:defRPr sz="1400">
+                <a:solidFill>
+                  <a:schemeClr val="accent1">
+                    <a:lumMod val="75000"/>
+                  </a:schemeClr>
+                </a:solidFill>
+              </a:defRPr>
             </a:lvl1pPr>
             <a:lvl2pPr marL="457200" indent="0">
               <a:buNone/>
-              <a:defRPr sz="1400"/>
+              <a:defRPr sz="1200"/>
             </a:lvl2pPr>
             <a:lvl3pPr marL="914400" indent="0">
               <a:buNone/>
-              <a:defRPr sz="1200"/>
+              <a:defRPr sz="1000"/>
             </a:lvl3pPr>
             <a:lvl4pPr marL="1371600" indent="0">
               <a:buNone/>
-              <a:defRPr sz="1000"/>
+              <a:defRPr sz="900"/>
             </a:lvl4pPr>
             <a:lvl5pPr marL="1828800" indent="0">
               <a:buNone/>
-              <a:defRPr sz="1000"/>
+              <a:defRPr sz="900"/>
             </a:lvl5pPr>
             <a:lvl6pPr marL="2286000" indent="0">
               <a:buNone/>
-              <a:defRPr sz="1000"/>
+              <a:defRPr sz="900"/>
             </a:lvl6pPr>
             <a:lvl7pPr marL="2743200" indent="0">
               <a:buNone/>
-              <a:defRPr sz="1000"/>
+              <a:defRPr sz="900"/>
             </a:lvl7pPr>
             <a:lvl8pPr marL="3200400" indent="0">
               <a:buNone/>
-              <a:defRPr sz="1000"/>
+              <a:defRPr sz="900"/>
             </a:lvl8pPr>
             <a:lvl9pPr marL="3657600" indent="0">
               <a:buNone/>
-              <a:defRPr sz="1000"/>
+              <a:defRPr sz="900"/>
             </a:lvl9pPr>
           </a:lstStyle>
           <a:p>
@@ -2357,33 +3887,103 @@
           <a:bodyPr/>
           <a:lstStyle/>
           <a:p>
-            <a:fld id="{68C6934B-2C4D-4EC0-B44B-166FEB1D0CE8}" type="datetimeFigureOut">
-              <a:rPr lang="en-US" smtClean="0"/>
-              <a:t>9/27/2015</a:t>
+            <a:fld id="{5F6E44D0-8AEE-4528-9CBC-CB2BBD5B4020}" type="datetime1">
+              <a:rPr lang="en-US" smtClean="0"/>
+              <a:t>9/28/2015</a:t>
             </a:fld>
             <a:endParaRPr lang="en-US"/>
           </a:p>
         </p:txBody>
       </p:sp>
-      <p:sp>
-        <p:nvSpPr>
-          <p:cNvPr id="6" name="Footer Placeholder 5"/>
-          <p:cNvSpPr>
-            <a:spLocks noGrp="1"/>
-          </p:cNvSpPr>
-          <p:nvPr>
-            <p:ph type="ftr" sz="quarter" idx="11"/>
-          </p:nvPr>
-        </p:nvSpPr>
-        <p:spPr/>
-        <p:txBody>
-          <a:bodyPr/>
-          <a:lstStyle/>
-          <a:p>
-            <a:endParaRPr lang="en-US"/>
-          </a:p>
-        </p:txBody>
-      </p:sp>
+      <p:grpSp>
+        <p:nvGrpSpPr>
+          <p:cNvPr id="8" name="Group 7"/>
+          <p:cNvGrpSpPr>
+            <a:grpSpLocks noChangeAspect="1"/>
+          </p:cNvGrpSpPr>
+          <p:nvPr/>
+        </p:nvGrpSpPr>
+        <p:grpSpPr>
+          <a:xfrm>
+            <a:off x="11401725" y="6229681"/>
+            <a:ext cx="457200" cy="457200"/>
+            <a:chOff x="11361456" y="6195813"/>
+            <a:chExt cx="548640" cy="548640"/>
+          </a:xfrm>
+        </p:grpSpPr>
+        <p:sp>
+          <p:nvSpPr>
+            <p:cNvPr id="9" name="Oval 8"/>
+            <p:cNvSpPr/>
+            <p:nvPr/>
+          </p:nvSpPr>
+          <p:spPr>
+            <a:xfrm>
+              <a:off x="11361456" y="6195813"/>
+              <a:ext cx="548640" cy="548640"/>
+            </a:xfrm>
+            <a:prstGeom prst="ellipse">
+              <a:avLst/>
+            </a:prstGeom>
+            <a:blipFill dpi="0" rotWithShape="1">
+              <a:blip r:embed="rId4">
+                <a:duotone>
+                  <a:schemeClr val="accent1">
+                    <a:shade val="45000"/>
+                    <a:satMod val="135000"/>
+                  </a:schemeClr>
+                  <a:prstClr val="white"/>
+                </a:duotone>
+                <a:extLst>
+                  <a:ext uri="{BEBA8EAE-BF5A-486C-A8C5-ECC9F3942E4B}">
+                    <a14:imgProps xmlns:a14="http://schemas.microsoft.com/office/drawing/2010/main">
+                      <a14:imgLayer r:embed="rId5">
+                        <a14:imgEffect>
+                          <a14:saturation sat="95000"/>
+                        </a14:imgEffect>
+                        <a14:imgEffect>
+                          <a14:brightnessContrast bright="-40000" contrast="20000"/>
+                        </a14:imgEffect>
+                      </a14:imgLayer>
+                    </a14:imgProps>
+                  </a:ext>
+                </a:extLst>
+              </a:blip>
+              <a:srcRect/>
+              <a:tile tx="50800" ty="0" sx="85000" sy="85000" flip="none" algn="tl"/>
+            </a:blipFill>
+            <a:ln w="25400" cap="flat" cmpd="sng" algn="ctr">
+              <a:noFill/>
+              <a:prstDash val="solid"/>
+            </a:ln>
+            <a:effectLst/>
+          </p:spPr>
+        </p:sp>
+        <p:sp>
+          <p:nvSpPr>
+            <p:cNvPr id="10" name="Oval 9"/>
+            <p:cNvSpPr/>
+            <p:nvPr/>
+          </p:nvSpPr>
+          <p:spPr>
+            <a:xfrm>
+              <a:off x="11396488" y="6230844"/>
+              <a:ext cx="478576" cy="478578"/>
+            </a:xfrm>
+            <a:prstGeom prst="ellipse">
+              <a:avLst/>
+            </a:prstGeom>
+            <a:noFill/>
+            <a:ln w="12700" cap="flat" cmpd="sng" algn="ctr">
+              <a:solidFill>
+                <a:sysClr val="window" lastClr="FFFFFF"/>
+              </a:solidFill>
+              <a:prstDash val="solid"/>
+            </a:ln>
+            <a:effectLst/>
+          </p:spPr>
+        </p:sp>
+      </p:grpSp>
       <p:sp>
         <p:nvSpPr>
           <p:cNvPr id="7" name="Slide Number Placeholder 6"/>
@@ -2410,7 +4010,7 @@
     </p:spTree>
     <p:extLst>
       <p:ext uri="{BB962C8B-B14F-4D97-AF65-F5344CB8AC3E}">
-        <p14:creationId xmlns:p14="http://schemas.microsoft.com/office/powerpoint/2010/main" val="2396029637"/>
+        <p14:creationId xmlns:p14="http://schemas.microsoft.com/office/powerpoint/2010/main" val="4278838711"/>
       </p:ext>
     </p:extLst>
   </p:cSld>
@@ -2454,8 +4054,8 @@
         </p:nvSpPr>
         <p:spPr>
           <a:xfrm>
-            <a:off x="838200" y="365125"/>
-            <a:ext cx="10515600" cy="1325563"/>
+            <a:off x="1069848" y="484632"/>
+            <a:ext cx="10058400" cy="1609344"/>
           </a:xfrm>
           <a:prstGeom prst="rect">
             <a:avLst/>
@@ -2471,7 +4071,7 @@
               <a:rPr lang="en-US" smtClean="0"/>
               <a:t>Click to edit Master title style</a:t>
             </a:r>
-            <a:endParaRPr lang="en-US"/>
+            <a:endParaRPr lang="en-US" dirty="0"/>
           </a:p>
         </p:txBody>
       </p:sp>
@@ -2487,8 +4087,8 @@
         </p:nvSpPr>
         <p:spPr>
           <a:xfrm>
-            <a:off x="838200" y="1825625"/>
-            <a:ext cx="10515600" cy="4351338"/>
+            <a:off x="1069848" y="2121408"/>
+            <a:ext cx="10058400" cy="4050792"/>
           </a:xfrm>
           <a:prstGeom prst="rect">
             <a:avLst/>
@@ -2533,7 +4133,7 @@
               <a:rPr lang="en-US" smtClean="0"/>
               <a:t>Fifth level</a:t>
             </a:r>
-            <a:endParaRPr lang="en-US"/>
+            <a:endParaRPr lang="en-US" dirty="0"/>
           </a:p>
         </p:txBody>
       </p:sp>
@@ -2549,8 +4149,8 @@
         </p:nvSpPr>
         <p:spPr>
           <a:xfrm>
-            <a:off x="838200" y="6356350"/>
-            <a:ext cx="2743200" cy="365125"/>
+            <a:off x="7964424" y="6272784"/>
+            <a:ext cx="3273552" cy="365125"/>
           </a:xfrm>
           <a:prstGeom prst="rect">
             <a:avLst/>
@@ -2559,20 +4159,18 @@
         <p:txBody>
           <a:bodyPr vert="horz" lIns="91440" tIns="45720" rIns="91440" bIns="45720" rtlCol="0" anchor="ctr"/>
           <a:lstStyle>
-            <a:lvl1pPr algn="l">
-              <a:defRPr sz="1200">
+            <a:lvl1pPr algn="r">
+              <a:defRPr sz="1100">
                 <a:solidFill>
-                  <a:schemeClr val="tx1">
-                    <a:tint val="75000"/>
-                  </a:schemeClr>
+                  <a:schemeClr val="tx2"/>
                 </a:solidFill>
               </a:defRPr>
             </a:lvl1pPr>
           </a:lstStyle>
           <a:p>
-            <a:fld id="{68C6934B-2C4D-4EC0-B44B-166FEB1D0CE8}" type="datetimeFigureOut">
-              <a:rPr lang="en-US" smtClean="0"/>
-              <a:t>9/27/2015</a:t>
+            <a:fld id="{5DBC70A8-D913-4025-8E30-0723A25E3F61}" type="datetime1">
+              <a:rPr lang="en-US" smtClean="0"/>
+              <a:t>9/28/2015</a:t>
             </a:fld>
             <a:endParaRPr lang="en-US"/>
           </a:p>
@@ -2590,8 +4188,8 @@
         </p:nvSpPr>
         <p:spPr>
           <a:xfrm>
-            <a:off x="4038600" y="6356350"/>
-            <a:ext cx="4114800" cy="365125"/>
+            <a:off x="1088136" y="6272784"/>
+            <a:ext cx="6327648" cy="365125"/>
           </a:xfrm>
           <a:prstGeom prst="rect">
             <a:avLst/>
@@ -2600,12 +4198,10 @@
         <p:txBody>
           <a:bodyPr vert="horz" lIns="91440" tIns="45720" rIns="91440" bIns="45720" rtlCol="0" anchor="ctr"/>
           <a:lstStyle>
-            <a:lvl1pPr algn="ctr">
-              <a:defRPr sz="1200">
+            <a:lvl1pPr algn="l">
+              <a:defRPr sz="1100">
                 <a:solidFill>
-                  <a:schemeClr val="tx1">
-                    <a:tint val="75000"/>
-                  </a:schemeClr>
+                  <a:schemeClr val="tx2"/>
                 </a:solidFill>
               </a:defRPr>
             </a:lvl1pPr>
@@ -2615,6 +4211,95 @@
           </a:p>
         </p:txBody>
       </p:sp>
+      <p:grpSp>
+        <p:nvGrpSpPr>
+          <p:cNvPr id="7" name="Group 6"/>
+          <p:cNvGrpSpPr>
+            <a:grpSpLocks noChangeAspect="1"/>
+          </p:cNvGrpSpPr>
+          <p:nvPr/>
+        </p:nvGrpSpPr>
+        <p:grpSpPr>
+          <a:xfrm>
+            <a:off x="11401725" y="6229681"/>
+            <a:ext cx="457200" cy="457200"/>
+            <a:chOff x="11361456" y="6195813"/>
+            <a:chExt cx="548640" cy="548640"/>
+          </a:xfrm>
+        </p:grpSpPr>
+        <p:sp>
+          <p:nvSpPr>
+            <p:cNvPr id="8" name="Oval 7"/>
+            <p:cNvSpPr/>
+            <p:nvPr/>
+          </p:nvSpPr>
+          <p:spPr>
+            <a:xfrm>
+              <a:off x="11361456" y="6195813"/>
+              <a:ext cx="548640" cy="548640"/>
+            </a:xfrm>
+            <a:prstGeom prst="ellipse">
+              <a:avLst/>
+            </a:prstGeom>
+            <a:blipFill dpi="0" rotWithShape="1">
+              <a:blip r:embed="rId13">
+                <a:duotone>
+                  <a:schemeClr val="accent1">
+                    <a:shade val="45000"/>
+                    <a:satMod val="135000"/>
+                  </a:schemeClr>
+                  <a:prstClr val="white"/>
+                </a:duotone>
+                <a:extLst>
+                  <a:ext uri="{BEBA8EAE-BF5A-486C-A8C5-ECC9F3942E4B}">
+                    <a14:imgProps xmlns:a14="http://schemas.microsoft.com/office/drawing/2010/main">
+                      <a14:imgLayer r:embed="rId14">
+                        <a14:imgEffect>
+                          <a14:saturation sat="95000"/>
+                        </a14:imgEffect>
+                        <a14:imgEffect>
+                          <a14:brightnessContrast bright="-40000" contrast="20000"/>
+                        </a14:imgEffect>
+                      </a14:imgLayer>
+                    </a14:imgProps>
+                  </a:ext>
+                </a:extLst>
+              </a:blip>
+              <a:srcRect/>
+              <a:tile tx="50800" ty="0" sx="85000" sy="85000" flip="none" algn="tl"/>
+            </a:blipFill>
+            <a:ln w="25400" cap="flat" cmpd="sng" algn="ctr">
+              <a:noFill/>
+              <a:prstDash val="solid"/>
+            </a:ln>
+            <a:effectLst/>
+          </p:spPr>
+        </p:sp>
+        <p:sp>
+          <p:nvSpPr>
+            <p:cNvPr id="9" name="Oval 8"/>
+            <p:cNvSpPr/>
+            <p:nvPr/>
+          </p:nvSpPr>
+          <p:spPr>
+            <a:xfrm>
+              <a:off x="11396488" y="6230844"/>
+              <a:ext cx="478576" cy="478578"/>
+            </a:xfrm>
+            <a:prstGeom prst="ellipse">
+              <a:avLst/>
+            </a:prstGeom>
+            <a:noFill/>
+            <a:ln w="12700" cap="flat" cmpd="sng" algn="ctr">
+              <a:solidFill>
+                <a:srgbClr val="FFFFFF"/>
+              </a:solidFill>
+              <a:prstDash val="solid"/>
+            </a:ln>
+            <a:effectLst/>
+          </p:spPr>
+        </p:sp>
+      </p:grpSp>
       <p:sp>
         <p:nvSpPr>
           <p:cNvPr id="6" name="Slide Number Placeholder 5"/>
@@ -2627,8 +4312,8 @@
         </p:nvSpPr>
         <p:spPr>
           <a:xfrm>
-            <a:off x="8610600" y="6356350"/>
-            <a:ext cx="2743200" cy="365125"/>
+            <a:off x="11311128" y="6272784"/>
+            <a:ext cx="640080" cy="365125"/>
           </a:xfrm>
           <a:prstGeom prst="rect">
             <a:avLst/>
@@ -2637,13 +4322,12 @@
         <p:txBody>
           <a:bodyPr vert="horz" lIns="91440" tIns="45720" rIns="91440" bIns="45720" rtlCol="0" anchor="ctr"/>
           <a:lstStyle>
-            <a:lvl1pPr algn="r">
-              <a:defRPr sz="1200">
+            <a:lvl1pPr algn="ctr">
+              <a:defRPr sz="1400" b="1">
                 <a:solidFill>
-                  <a:schemeClr val="tx1">
-                    <a:tint val="75000"/>
-                  </a:schemeClr>
+                  <a:srgbClr val="FFFFFF"/>
                 </a:solidFill>
+                <a:latin typeface="+mj-lt"/>
               </a:defRPr>
             </a:lvl1pPr>
           </a:lstStyle>
@@ -2659,24 +4343,25 @@
     </p:spTree>
     <p:extLst>
       <p:ext uri="{BB962C8B-B14F-4D97-AF65-F5344CB8AC3E}">
-        <p14:creationId xmlns:p14="http://schemas.microsoft.com/office/powerpoint/2010/main" val="2393323648"/>
+        <p14:creationId xmlns:p14="http://schemas.microsoft.com/office/powerpoint/2010/main" val="222580051"/>
       </p:ext>
     </p:extLst>
   </p:cSld>
   <p:clrMap bg1="lt1" tx1="dk1" bg2="lt2" tx2="dk2" accent1="accent1" accent2="accent2" accent3="accent3" accent4="accent4" accent5="accent5" accent6="accent6" hlink="hlink" folHlink="folHlink"/>
   <p:sldLayoutIdLst>
-    <p:sldLayoutId id="2147483649" r:id="rId1"/>
-    <p:sldLayoutId id="2147483650" r:id="rId2"/>
-    <p:sldLayoutId id="2147483651" r:id="rId3"/>
-    <p:sldLayoutId id="2147483652" r:id="rId4"/>
-    <p:sldLayoutId id="2147483653" r:id="rId5"/>
-    <p:sldLayoutId id="2147483654" r:id="rId6"/>
-    <p:sldLayoutId id="2147483655" r:id="rId7"/>
-    <p:sldLayoutId id="2147483656" r:id="rId8"/>
-    <p:sldLayoutId id="2147483657" r:id="rId9"/>
-    <p:sldLayoutId id="2147483658" r:id="rId10"/>
-    <p:sldLayoutId id="2147483659" r:id="rId11"/>
+    <p:sldLayoutId id="2147483661" r:id="rId1"/>
+    <p:sldLayoutId id="2147483662" r:id="rId2"/>
+    <p:sldLayoutId id="2147483663" r:id="rId3"/>
+    <p:sldLayoutId id="2147483664" r:id="rId4"/>
+    <p:sldLayoutId id="2147483665" r:id="rId5"/>
+    <p:sldLayoutId id="2147483666" r:id="rId6"/>
+    <p:sldLayoutId id="2147483667" r:id="rId7"/>
+    <p:sldLayoutId id="2147483668" r:id="rId8"/>
+    <p:sldLayoutId id="2147483669" r:id="rId9"/>
+    <p:sldLayoutId id="2147483670" r:id="rId10"/>
+    <p:sldLayoutId id="2147483671" r:id="rId11"/>
   </p:sldLayoutIdLst>
+  <p:hf hdr="0" ftr="0" dt="0"/>
   <p:txStyles>
     <p:titleStyle>
       <a:lvl1pPr algn="l" defTabSz="914400" rtl="0" eaLnBrk="1" latinLnBrk="0" hangingPunct="1">
@@ -2687,10 +4372,17 @@
           <a:spcPct val="0"/>
         </a:spcBef>
         <a:buNone/>
-        <a:defRPr sz="4400" kern="1200">
-          <a:solidFill>
-            <a:schemeClr val="tx1"/>
-          </a:solidFill>
+        <a:defRPr sz="5400" kern="1200" cap="all" baseline="0">
+          <a:blipFill>
+            <a:blip r:embed="rId15">
+              <a:extLst>
+                <a:ext uri="{28A0092B-C50C-407E-A947-70E740481C1C}">
+                  <a14:useLocalDpi xmlns:a14="http://schemas.microsoft.com/office/drawing/2010/main" val="0"/>
+                </a:ext>
+              </a:extLst>
+            </a:blip>
+            <a:tile tx="6350" ty="-127000" sx="65000" sy="64000" flip="none" algn="tl"/>
+          </a:blipFill>
           <a:latin typeface="+mj-lt"/>
           <a:ea typeface="+mj-ea"/>
           <a:cs typeface="+mj-cs"/>
@@ -2698,16 +4390,22 @@
       </a:lvl1pPr>
     </p:titleStyle>
     <p:bodyStyle>
-      <a:lvl1pPr marL="228600" indent="-228600" algn="l" defTabSz="914400" rtl="0" eaLnBrk="1" latinLnBrk="0" hangingPunct="1">
+      <a:lvl1pPr marL="182880" indent="-182880" algn="l" defTabSz="914400" rtl="0" eaLnBrk="1" latinLnBrk="0" hangingPunct="1">
         <a:lnSpc>
           <a:spcPct val="90000"/>
         </a:lnSpc>
         <a:spcBef>
-          <a:spcPts val="1000"/>
+          <a:spcPts val="1200"/>
         </a:spcBef>
-        <a:buFont typeface="Arial" panose="020B0604020202020204" pitchFamily="34" charset="0"/>
-        <a:buChar char="•"/>
-        <a:defRPr sz="2800" kern="1200">
+        <a:buClr>
+          <a:schemeClr val="accent1">
+            <a:lumMod val="75000"/>
+          </a:schemeClr>
+        </a:buClr>
+        <a:buSzPct val="85000"/>
+        <a:buFont typeface="Wingdings" pitchFamily="2" charset="2"/>
+        <a:buChar char="§"/>
+        <a:defRPr sz="2000" kern="1200">
           <a:solidFill>
             <a:schemeClr val="tx1"/>
           </a:solidFill>
@@ -2716,16 +4414,25 @@
           <a:cs typeface="+mn-cs"/>
         </a:defRPr>
       </a:lvl1pPr>
-      <a:lvl2pPr marL="685800" indent="-228600" algn="l" defTabSz="914400" rtl="0" eaLnBrk="1" latinLnBrk="0" hangingPunct="1">
+      <a:lvl2pPr marL="457200" indent="-182880" algn="l" defTabSz="914400" rtl="0" eaLnBrk="1" latinLnBrk="0" hangingPunct="1">
         <a:lnSpc>
           <a:spcPct val="90000"/>
         </a:lnSpc>
         <a:spcBef>
-          <a:spcPts val="500"/>
+          <a:spcPts val="400"/>
         </a:spcBef>
-        <a:buFont typeface="Arial" panose="020B0604020202020204" pitchFamily="34" charset="0"/>
-        <a:buChar char="•"/>
-        <a:defRPr sz="2400" kern="1200">
+        <a:spcAft>
+          <a:spcPts val="200"/>
+        </a:spcAft>
+        <a:buClr>
+          <a:schemeClr val="accent1">
+            <a:lumMod val="75000"/>
+          </a:schemeClr>
+        </a:buClr>
+        <a:buSzPct val="85000"/>
+        <a:buFont typeface="Wingdings" pitchFamily="2" charset="2"/>
+        <a:buChar char="§"/>
+        <a:defRPr sz="1800" kern="1200">
           <a:solidFill>
             <a:schemeClr val="tx1"/>
           </a:solidFill>
@@ -2734,16 +4441,25 @@
           <a:cs typeface="+mn-cs"/>
         </a:defRPr>
       </a:lvl2pPr>
-      <a:lvl3pPr marL="1143000" indent="-228600" algn="l" defTabSz="914400" rtl="0" eaLnBrk="1" latinLnBrk="0" hangingPunct="1">
+      <a:lvl3pPr marL="731520" indent="-182880" algn="l" defTabSz="914400" rtl="0" eaLnBrk="1" latinLnBrk="0" hangingPunct="1">
         <a:lnSpc>
           <a:spcPct val="90000"/>
         </a:lnSpc>
         <a:spcBef>
-          <a:spcPts val="500"/>
+          <a:spcPts val="400"/>
         </a:spcBef>
-        <a:buFont typeface="Arial" panose="020B0604020202020204" pitchFamily="34" charset="0"/>
-        <a:buChar char="•"/>
-        <a:defRPr sz="2000" kern="1200">
+        <a:spcAft>
+          <a:spcPts val="200"/>
+        </a:spcAft>
+        <a:buClr>
+          <a:schemeClr val="accent1">
+            <a:lumMod val="75000"/>
+          </a:schemeClr>
+        </a:buClr>
+        <a:buSzPct val="85000"/>
+        <a:buFont typeface="Wingdings" pitchFamily="2" charset="2"/>
+        <a:buChar char="§"/>
+        <a:defRPr sz="1600" kern="1200">
           <a:solidFill>
             <a:schemeClr val="tx1"/>
           </a:solidFill>
@@ -2752,16 +4468,25 @@
           <a:cs typeface="+mn-cs"/>
         </a:defRPr>
       </a:lvl3pPr>
-      <a:lvl4pPr marL="1600200" indent="-228600" algn="l" defTabSz="914400" rtl="0" eaLnBrk="1" latinLnBrk="0" hangingPunct="1">
+      <a:lvl4pPr marL="1005840" indent="-182880" algn="l" defTabSz="914400" rtl="0" eaLnBrk="1" latinLnBrk="0" hangingPunct="1">
         <a:lnSpc>
           <a:spcPct val="90000"/>
         </a:lnSpc>
         <a:spcBef>
-          <a:spcPts val="500"/>
+          <a:spcPts val="400"/>
         </a:spcBef>
-        <a:buFont typeface="Arial" panose="020B0604020202020204" pitchFamily="34" charset="0"/>
-        <a:buChar char="•"/>
-        <a:defRPr sz="1800" kern="1200">
+        <a:spcAft>
+          <a:spcPts val="200"/>
+        </a:spcAft>
+        <a:buClr>
+          <a:schemeClr val="accent1">
+            <a:lumMod val="75000"/>
+          </a:schemeClr>
+        </a:buClr>
+        <a:buSzPct val="85000"/>
+        <a:buFont typeface="Wingdings" pitchFamily="2" charset="2"/>
+        <a:buChar char="§"/>
+        <a:defRPr sz="1600" kern="1200">
           <a:solidFill>
             <a:schemeClr val="tx1"/>
           </a:solidFill>
@@ -2770,16 +4495,25 @@
           <a:cs typeface="+mn-cs"/>
         </a:defRPr>
       </a:lvl4pPr>
-      <a:lvl5pPr marL="2057400" indent="-228600" algn="l" defTabSz="914400" rtl="0" eaLnBrk="1" latinLnBrk="0" hangingPunct="1">
+      <a:lvl5pPr marL="1280160" indent="-182880" algn="l" defTabSz="914400" rtl="0" eaLnBrk="1" latinLnBrk="0" hangingPunct="1">
         <a:lnSpc>
           <a:spcPct val="90000"/>
         </a:lnSpc>
         <a:spcBef>
-          <a:spcPts val="500"/>
+          <a:spcPts val="400"/>
         </a:spcBef>
-        <a:buFont typeface="Arial" panose="020B0604020202020204" pitchFamily="34" charset="0"/>
-        <a:buChar char="•"/>
-        <a:defRPr sz="1800" kern="1200">
+        <a:spcAft>
+          <a:spcPts val="200"/>
+        </a:spcAft>
+        <a:buClr>
+          <a:schemeClr val="accent1">
+            <a:lumMod val="75000"/>
+          </a:schemeClr>
+        </a:buClr>
+        <a:buSzPct val="85000"/>
+        <a:buFont typeface="Wingdings" pitchFamily="2" charset="2"/>
+        <a:buChar char="§"/>
+        <a:defRPr sz="1600" kern="1200">
           <a:solidFill>
             <a:schemeClr val="tx1"/>
           </a:solidFill>
@@ -2788,16 +4522,25 @@
           <a:cs typeface="+mn-cs"/>
         </a:defRPr>
       </a:lvl5pPr>
-      <a:lvl6pPr marL="2514600" indent="-228600" algn="l" defTabSz="914400" rtl="0" eaLnBrk="1" latinLnBrk="0" hangingPunct="1">
+      <a:lvl6pPr marL="1600000" indent="-228600" algn="l" defTabSz="914400" rtl="0" eaLnBrk="1" latinLnBrk="0" hangingPunct="1">
         <a:lnSpc>
           <a:spcPct val="90000"/>
         </a:lnSpc>
         <a:spcBef>
-          <a:spcPts val="500"/>
+          <a:spcPts val="400"/>
         </a:spcBef>
-        <a:buFont typeface="Arial" panose="020B0604020202020204" pitchFamily="34" charset="0"/>
-        <a:buChar char="•"/>
-        <a:defRPr sz="1800" kern="1200">
+        <a:spcAft>
+          <a:spcPts val="200"/>
+        </a:spcAft>
+        <a:buClr>
+          <a:schemeClr val="accent1">
+            <a:lumMod val="75000"/>
+          </a:schemeClr>
+        </a:buClr>
+        <a:buSzPct val="85000"/>
+        <a:buFont typeface="Wingdings" pitchFamily="2" charset="2"/>
+        <a:buChar char="§"/>
+        <a:defRPr sz="1600" kern="1200">
           <a:solidFill>
             <a:schemeClr val="tx1"/>
           </a:solidFill>
@@ -2806,16 +4549,25 @@
           <a:cs typeface="+mn-cs"/>
         </a:defRPr>
       </a:lvl6pPr>
-      <a:lvl7pPr marL="2971800" indent="-228600" algn="l" defTabSz="914400" rtl="0" eaLnBrk="1" latinLnBrk="0" hangingPunct="1">
+      <a:lvl7pPr marL="1900000" indent="-228600" algn="l" defTabSz="914400" rtl="0" eaLnBrk="1" latinLnBrk="0" hangingPunct="1">
         <a:lnSpc>
           <a:spcPct val="90000"/>
         </a:lnSpc>
         <a:spcBef>
-          <a:spcPts val="500"/>
+          <a:spcPts val="400"/>
         </a:spcBef>
-        <a:buFont typeface="Arial" panose="020B0604020202020204" pitchFamily="34" charset="0"/>
-        <a:buChar char="•"/>
-        <a:defRPr sz="1800" kern="1200">
+        <a:spcAft>
+          <a:spcPts val="200"/>
+        </a:spcAft>
+        <a:buClr>
+          <a:schemeClr val="accent1">
+            <a:lumMod val="75000"/>
+          </a:schemeClr>
+        </a:buClr>
+        <a:buSzPct val="85000"/>
+        <a:buFont typeface="Wingdings" pitchFamily="2" charset="2"/>
+        <a:buChar char="§"/>
+        <a:defRPr sz="1600" kern="1200">
           <a:solidFill>
             <a:schemeClr val="tx1"/>
           </a:solidFill>
@@ -2824,16 +4576,25 @@
           <a:cs typeface="+mn-cs"/>
         </a:defRPr>
       </a:lvl7pPr>
-      <a:lvl8pPr marL="3429000" indent="-228600" algn="l" defTabSz="914400" rtl="0" eaLnBrk="1" latinLnBrk="0" hangingPunct="1">
+      <a:lvl8pPr marL="2200000" indent="-228600" algn="l" defTabSz="914400" rtl="0" eaLnBrk="1" latinLnBrk="0" hangingPunct="1">
         <a:lnSpc>
           <a:spcPct val="90000"/>
         </a:lnSpc>
         <a:spcBef>
-          <a:spcPts val="500"/>
+          <a:spcPts val="400"/>
         </a:spcBef>
-        <a:buFont typeface="Arial" panose="020B0604020202020204" pitchFamily="34" charset="0"/>
-        <a:buChar char="•"/>
-        <a:defRPr sz="1800" kern="1200">
+        <a:spcAft>
+          <a:spcPts val="200"/>
+        </a:spcAft>
+        <a:buClr>
+          <a:schemeClr val="accent1">
+            <a:lumMod val="75000"/>
+          </a:schemeClr>
+        </a:buClr>
+        <a:buSzPct val="85000"/>
+        <a:buFont typeface="Wingdings" pitchFamily="2" charset="2"/>
+        <a:buChar char="§"/>
+        <a:defRPr sz="1600" kern="1200">
           <a:solidFill>
             <a:schemeClr val="tx1"/>
           </a:solidFill>
@@ -2842,16 +4603,25 @@
           <a:cs typeface="+mn-cs"/>
         </a:defRPr>
       </a:lvl8pPr>
-      <a:lvl9pPr marL="3886200" indent="-228600" algn="l" defTabSz="914400" rtl="0" eaLnBrk="1" latinLnBrk="0" hangingPunct="1">
+      <a:lvl9pPr marL="2500000" indent="-228600" algn="l" defTabSz="914400" rtl="0" eaLnBrk="1" latinLnBrk="0" hangingPunct="1">
         <a:lnSpc>
           <a:spcPct val="90000"/>
         </a:lnSpc>
         <a:spcBef>
-          <a:spcPts val="500"/>
+          <a:spcPts val="400"/>
         </a:spcBef>
-        <a:buFont typeface="Arial" panose="020B0604020202020204" pitchFamily="34" charset="0"/>
-        <a:buChar char="•"/>
-        <a:defRPr sz="1800" kern="1200">
+        <a:spcAft>
+          <a:spcPts val="200"/>
+        </a:spcAft>
+        <a:buClr>
+          <a:schemeClr val="accent1">
+            <a:lumMod val="75000"/>
+          </a:schemeClr>
+        </a:buClr>
+        <a:buSzPct val="85000"/>
+        <a:buFont typeface="Wingdings" pitchFamily="2" charset="2"/>
+        <a:buChar char="§"/>
+        <a:defRPr sz="1600" kern="1200">
           <a:solidFill>
             <a:schemeClr val="tx1"/>
           </a:solidFill>
@@ -3022,6 +4792,29 @@
           </a:p>
         </p:txBody>
       </p:sp>
+      <p:sp>
+        <p:nvSpPr>
+          <p:cNvPr id="4" name="Slide Number Placeholder 3"/>
+          <p:cNvSpPr>
+            <a:spLocks noGrp="1"/>
+          </p:cNvSpPr>
+          <p:nvPr>
+            <p:ph type="sldNum" sz="quarter" idx="12"/>
+          </p:nvPr>
+        </p:nvSpPr>
+        <p:spPr/>
+        <p:txBody>
+          <a:bodyPr/>
+          <a:lstStyle/>
+          <a:p>
+            <a:fld id="{84961F39-E58F-487C-8793-A7C1196B364E}" type="slidenum">
+              <a:rPr lang="en-US" smtClean="0"/>
+              <a:t>1</a:t>
+            </a:fld>
+            <a:endParaRPr lang="en-US"/>
+          </a:p>
+        </p:txBody>
+      </p:sp>
     </p:spTree>
     <p:extLst>
       <p:ext uri="{BB962C8B-B14F-4D97-AF65-F5344CB8AC3E}">
@@ -3032,6 +4825,13 @@
   <p:clrMapOvr>
     <a:masterClrMapping/>
   </p:clrMapOvr>
+  <p:timing>
+    <p:tnLst>
+      <p:par>
+        <p:cTn id="1" dur="indefinite" restart="never" nodeType="tmRoot"/>
+      </p:par>
+    </p:tnLst>
+  </p:timing>
 </p:sld>
 </file>
 
@@ -3093,7 +4893,7 @@
         </p:spPr>
         <p:txBody>
           <a:bodyPr>
-            <a:normAutofit fontScale="92500" lnSpcReduction="20000"/>
+            <a:normAutofit/>
           </a:bodyPr>
           <a:lstStyle/>
           <a:p>
@@ -3121,11 +4921,7 @@
             </a:r>
             <a:r>
               <a:rPr lang="en-US" dirty="0" smtClean="0"/>
-              <a:t>: Pass the context itself into Strategy and let </a:t>
-            </a:r>
-            <a:r>
-              <a:rPr lang="en-US" dirty="0" smtClean="0"/>
-              <a:t>Strategy keep it as a reference.</a:t>
+              <a:t>: Pass the context itself into Strategy and let Strategy keep it as a reference.</a:t>
             </a:r>
           </a:p>
           <a:p>
@@ -3144,11 +4940,19 @@
             </a:r>
             <a:r>
               <a:rPr lang="en-US" dirty="0" smtClean="0"/>
-              <a:t>: 1. Strategy needs to call </a:t>
+              <a:t>: 1</a:t>
             </a:r>
             <a:r>
               <a:rPr lang="en-US" dirty="0" smtClean="0"/>
-              <a:t>Context’s method to complete transaction.</a:t>
+              <a:t>. </a:t>
+            </a:r>
+            <a:r>
+              <a:rPr lang="en-US" dirty="0" smtClean="0"/>
+              <a:t>Strategy needs </a:t>
+            </a:r>
+            <a:r>
+              <a:rPr lang="en-US" dirty="0" smtClean="0"/>
+              <a:t>to call Context’s method to complete transaction.</a:t>
             </a:r>
           </a:p>
           <a:p>
@@ -3157,11 +4961,23 @@
             </a:pPr>
             <a:r>
               <a:rPr lang="en-US" dirty="0" smtClean="0"/>
-              <a:t>	        2. </a:t>
+              <a:t>	      </a:t>
             </a:r>
             <a:r>
               <a:rPr lang="en-US" dirty="0" smtClean="0"/>
-              <a:t>Strategy needs to access UI components which is an attribute of Context.</a:t>
+              <a:t>2</a:t>
+            </a:r>
+            <a:r>
+              <a:rPr lang="en-US" dirty="0" smtClean="0"/>
+              <a:t>. </a:t>
+            </a:r>
+            <a:r>
+              <a:rPr lang="en-US" dirty="0" smtClean="0"/>
+              <a:t>Strategy </a:t>
+            </a:r>
+            <a:r>
+              <a:rPr lang="en-US" dirty="0" smtClean="0"/>
+              <a:t>needs to access UI components which is an attribute of Context.</a:t>
             </a:r>
           </a:p>
           <a:p>
@@ -3180,7 +4996,11 @@
             </a:r>
             <a:r>
               <a:rPr lang="en-US" dirty="0" smtClean="0"/>
-              <a:t>:1. Strategy can request what it needs from Context</a:t>
+              <a:t>: 1</a:t>
+            </a:r>
+            <a:r>
+              <a:rPr lang="en-US" dirty="0" smtClean="0"/>
+              <a:t>. Strategy can request what it needs from Context</a:t>
             </a:r>
           </a:p>
           <a:p>
@@ -3189,11 +5009,15 @@
             </a:pPr>
             <a:r>
               <a:rPr lang="en-US" dirty="0" smtClean="0"/>
-              <a:t>                            2. </a:t>
+              <a:t>                            </a:t>
             </a:r>
             <a:r>
               <a:rPr lang="en-US" dirty="0" smtClean="0"/>
-              <a:t>Tight coupling </a:t>
+              <a:t>  2</a:t>
+            </a:r>
+            <a:r>
+              <a:rPr lang="en-US" dirty="0" smtClean="0"/>
+              <a:t>. Tight coupling </a:t>
             </a:r>
           </a:p>
           <a:p>
@@ -3207,6 +5031,29 @@
               <a:buNone/>
             </a:pPr>
             <a:endParaRPr lang="en-US" dirty="0"/>
+          </a:p>
+        </p:txBody>
+      </p:sp>
+      <p:sp>
+        <p:nvSpPr>
+          <p:cNvPr id="4" name="Slide Number Placeholder 3"/>
+          <p:cNvSpPr>
+            <a:spLocks noGrp="1"/>
+          </p:cNvSpPr>
+          <p:nvPr>
+            <p:ph type="sldNum" sz="quarter" idx="12"/>
+          </p:nvPr>
+        </p:nvSpPr>
+        <p:spPr/>
+        <p:txBody>
+          <a:bodyPr/>
+          <a:lstStyle/>
+          <a:p>
+            <a:fld id="{84961F39-E58F-487C-8793-A7C1196B364E}" type="slidenum">
+              <a:rPr lang="en-US" smtClean="0"/>
+              <a:t>10</a:t>
+            </a:fld>
+            <a:endParaRPr lang="en-US"/>
           </a:p>
         </p:txBody>
       </p:sp>
@@ -3275,8 +5122,8 @@
         </p:nvSpPr>
         <p:spPr>
           <a:xfrm>
-            <a:off x="838200" y="1546951"/>
-            <a:ext cx="10515600" cy="4714512"/>
+            <a:off x="1069848" y="2093976"/>
+            <a:ext cx="9293352" cy="2765407"/>
           </a:xfrm>
         </p:spPr>
         <p:txBody>
@@ -3301,7 +5148,6 @@
               <a:rPr lang="en-US" dirty="0" smtClean="0"/>
               <a:t>In C++ only ,N/A in Java</a:t>
             </a:r>
-            <a:endParaRPr lang="en-US" dirty="0" smtClean="0"/>
           </a:p>
           <a:p>
             <a:pPr marL="0" indent="0">
@@ -3314,6 +5160,29 @@
               <a:buNone/>
             </a:pPr>
             <a:endParaRPr lang="en-US" dirty="0"/>
+          </a:p>
+        </p:txBody>
+      </p:sp>
+      <p:sp>
+        <p:nvSpPr>
+          <p:cNvPr id="4" name="Slide Number Placeholder 3"/>
+          <p:cNvSpPr>
+            <a:spLocks noGrp="1"/>
+          </p:cNvSpPr>
+          <p:nvPr>
+            <p:ph type="sldNum" sz="quarter" idx="12"/>
+          </p:nvPr>
+        </p:nvSpPr>
+        <p:spPr/>
+        <p:txBody>
+          <a:bodyPr/>
+          <a:lstStyle/>
+          <a:p>
+            <a:fld id="{84961F39-E58F-487C-8793-A7C1196B364E}" type="slidenum">
+              <a:rPr lang="en-US" smtClean="0"/>
+              <a:t>11</a:t>
+            </a:fld>
+            <a:endParaRPr lang="en-US"/>
           </a:p>
         </p:txBody>
       </p:sp>
@@ -3421,13 +5290,8 @@
             </a:pPr>
             <a:r>
               <a:rPr lang="en-US" dirty="0" smtClean="0"/>
-              <a:t>In that case, </a:t>
-            </a:r>
-            <a:r>
-              <a:rPr lang="en-US" dirty="0" smtClean="0"/>
-              <a:t>Context has to carry out default behaviors.</a:t>
-            </a:r>
-            <a:endParaRPr lang="en-US" dirty="0" smtClean="0"/>
+              <a:t>In that case, Context has to carry out default behaviors.</a:t>
+            </a:r>
           </a:p>
           <a:p>
             <a:pPr marL="0" indent="0">
@@ -3444,6 +5308,29 @@
               <a:t>N/A</a:t>
             </a:r>
             <a:endParaRPr lang="en-US" dirty="0"/>
+          </a:p>
+        </p:txBody>
+      </p:sp>
+      <p:sp>
+        <p:nvSpPr>
+          <p:cNvPr id="4" name="Slide Number Placeholder 3"/>
+          <p:cNvSpPr>
+            <a:spLocks noGrp="1"/>
+          </p:cNvSpPr>
+          <p:nvPr>
+            <p:ph type="sldNum" sz="quarter" idx="12"/>
+          </p:nvPr>
+        </p:nvSpPr>
+        <p:spPr/>
+        <p:txBody>
+          <a:bodyPr/>
+          <a:lstStyle/>
+          <a:p>
+            <a:fld id="{84961F39-E58F-487C-8793-A7C1196B364E}" type="slidenum">
+              <a:rPr lang="en-US" smtClean="0"/>
+              <a:t>12</a:t>
+            </a:fld>
+            <a:endParaRPr lang="en-US"/>
           </a:p>
         </p:txBody>
       </p:sp>
@@ -3494,38 +5381,65 @@
           <a:p>
             <a:r>
               <a:rPr lang="en-US" dirty="0" smtClean="0"/>
-              <a:t>Other issues</a:t>
+              <a:t>Other </a:t>
+            </a:r>
+            <a:r>
+              <a:rPr lang="en-US" dirty="0" smtClean="0"/>
+              <a:t>issue</a:t>
             </a:r>
             <a:endParaRPr lang="en-US" dirty="0"/>
           </a:p>
         </p:txBody>
       </p:sp>
-      <p:sp>
-        <p:nvSpPr>
-          <p:cNvPr id="3" name="Content Placeholder 2"/>
-          <p:cNvSpPr>
-            <a:spLocks noGrp="1"/>
-          </p:cNvSpPr>
+      <p:pic>
+        <p:nvPicPr>
+          <p:cNvPr id="5" name="Content Placeholder 4"/>
+          <p:cNvPicPr>
+            <a:picLocks noGrp="1" noChangeAspect="1"/>
+          </p:cNvPicPr>
           <p:nvPr>
             <p:ph idx="1"/>
           </p:nvPr>
-        </p:nvSpPr>
+        </p:nvPicPr>
+        <p:blipFill>
+          <a:blip r:embed="rId2">
+            <a:extLst>
+              <a:ext uri="{28A0092B-C50C-407E-A947-70E740481C1C}">
+                <a14:useLocalDpi xmlns:a14="http://schemas.microsoft.com/office/drawing/2010/main" val="0"/>
+              </a:ext>
+            </a:extLst>
+          </a:blip>
+          <a:stretch>
+            <a:fillRect/>
+          </a:stretch>
+        </p:blipFill>
         <p:spPr>
           <a:xfrm>
-            <a:off x="838200" y="1546951"/>
-            <a:ext cx="10515600" cy="4714512"/>
+            <a:off x="1069848" y="1798630"/>
+            <a:ext cx="7804186" cy="5073928"/>
           </a:xfrm>
         </p:spPr>
-        <p:txBody>
-          <a:bodyPr>
-            <a:normAutofit/>
-          </a:bodyPr>
-          <a:lstStyle/>
-          <a:p>
-            <a:pPr marL="0" indent="0">
-              <a:buNone/>
-            </a:pPr>
-            <a:endParaRPr lang="en-US" dirty="0"/>
+      </p:pic>
+      <p:sp>
+        <p:nvSpPr>
+          <p:cNvPr id="4" name="Slide Number Placeholder 3"/>
+          <p:cNvSpPr>
+            <a:spLocks noGrp="1"/>
+          </p:cNvSpPr>
+          <p:nvPr>
+            <p:ph type="sldNum" sz="quarter" idx="12"/>
+          </p:nvPr>
+        </p:nvSpPr>
+        <p:spPr/>
+        <p:txBody>
+          <a:bodyPr/>
+          <a:lstStyle/>
+          <a:p>
+            <a:fld id="{84961F39-E58F-487C-8793-A7C1196B364E}" type="slidenum">
+              <a:rPr lang="en-US" smtClean="0"/>
+              <a:t>13</a:t>
+            </a:fld>
+            <a:endParaRPr lang="en-US"/>
           </a:p>
         </p:txBody>
       </p:sp>
@@ -3582,6 +5496,29 @@
           </a:p>
         </p:txBody>
       </p:sp>
+      <p:sp>
+        <p:nvSpPr>
+          <p:cNvPr id="3" name="Slide Number Placeholder 2"/>
+          <p:cNvSpPr>
+            <a:spLocks noGrp="1"/>
+          </p:cNvSpPr>
+          <p:nvPr>
+            <p:ph type="sldNum" sz="quarter" idx="12"/>
+          </p:nvPr>
+        </p:nvSpPr>
+        <p:spPr/>
+        <p:txBody>
+          <a:bodyPr/>
+          <a:lstStyle/>
+          <a:p>
+            <a:fld id="{84961F39-E58F-487C-8793-A7C1196B364E}" type="slidenum">
+              <a:rPr lang="en-US" smtClean="0"/>
+              <a:t>14</a:t>
+            </a:fld>
+            <a:endParaRPr lang="en-US"/>
+          </a:p>
+        </p:txBody>
+      </p:sp>
     </p:spTree>
     <p:extLst>
       <p:ext uri="{BB962C8B-B14F-4D97-AF65-F5344CB8AC3E}">
@@ -3687,6 +5624,29 @@
           </a:p>
         </p:txBody>
       </p:sp>
+      <p:sp>
+        <p:nvSpPr>
+          <p:cNvPr id="4" name="Slide Number Placeholder 3"/>
+          <p:cNvSpPr>
+            <a:spLocks noGrp="1"/>
+          </p:cNvSpPr>
+          <p:nvPr>
+            <p:ph type="sldNum" sz="quarter" idx="12"/>
+          </p:nvPr>
+        </p:nvSpPr>
+        <p:spPr/>
+        <p:txBody>
+          <a:bodyPr/>
+          <a:lstStyle/>
+          <a:p>
+            <a:fld id="{84961F39-E58F-487C-8793-A7C1196B364E}" type="slidenum">
+              <a:rPr lang="en-US" smtClean="0"/>
+              <a:t>2</a:t>
+            </a:fld>
+            <a:endParaRPr lang="en-US"/>
+          </a:p>
+        </p:txBody>
+      </p:sp>
     </p:spTree>
     <p:extLst>
       <p:ext uri="{BB962C8B-B14F-4D97-AF65-F5344CB8AC3E}">
@@ -3697,6 +5657,13 @@
   <p:clrMapOvr>
     <a:masterClrMapping/>
   </p:clrMapOvr>
+  <p:timing>
+    <p:tnLst>
+      <p:par>
+        <p:cTn id="1" dur="indefinite" restart="never" nodeType="tmRoot"/>
+      </p:par>
+    </p:tnLst>
+  </p:timing>
 </p:sld>
 </file>
 
@@ -3742,20 +5709,95 @@
       </p:sp>
       <p:sp>
         <p:nvSpPr>
-          <p:cNvPr id="3" name="Content Placeholder 2"/>
-          <p:cNvSpPr>
-            <a:spLocks noGrp="1"/>
-          </p:cNvSpPr>
-          <p:nvPr>
-            <p:ph idx="1"/>
-          </p:nvPr>
-        </p:nvSpPr>
-        <p:spPr/>
-        <p:txBody>
-          <a:bodyPr/>
-          <a:lstStyle/>
-          <a:p>
-            <a:endParaRPr lang="en-US" dirty="0"/>
+          <p:cNvPr id="5" name="Slide Number Placeholder 4"/>
+          <p:cNvSpPr>
+            <a:spLocks noGrp="1"/>
+          </p:cNvSpPr>
+          <p:nvPr>
+            <p:ph type="sldNum" sz="quarter" idx="12"/>
+          </p:nvPr>
+        </p:nvSpPr>
+        <p:spPr/>
+        <p:txBody>
+          <a:bodyPr/>
+          <a:lstStyle/>
+          <a:p>
+            <a:fld id="{84961F39-E58F-487C-8793-A7C1196B364E}" type="slidenum">
+              <a:rPr lang="en-US" smtClean="0"/>
+              <a:t>3</a:t>
+            </a:fld>
+            <a:endParaRPr lang="en-US"/>
+          </a:p>
+        </p:txBody>
+      </p:sp>
+      <p:pic>
+        <p:nvPicPr>
+          <p:cNvPr id="10" name="Picture 9"/>
+          <p:cNvPicPr>
+            <a:picLocks noChangeAspect="1"/>
+          </p:cNvPicPr>
+          <p:nvPr/>
+        </p:nvPicPr>
+        <p:blipFill>
+          <a:blip r:embed="rId3"/>
+          <a:stretch>
+            <a:fillRect/>
+          </a:stretch>
+        </p:blipFill>
+        <p:spPr>
+          <a:xfrm>
+            <a:off x="1682612" y="1771650"/>
+            <a:ext cx="6838950" cy="5086350"/>
+          </a:xfrm>
+          <a:prstGeom prst="rect">
+            <a:avLst/>
+          </a:prstGeom>
+        </p:spPr>
+      </p:pic>
+      <p:sp>
+        <p:nvSpPr>
+          <p:cNvPr id="7" name="Rectangle 6"/>
+          <p:cNvSpPr/>
+          <p:nvPr/>
+        </p:nvSpPr>
+        <p:spPr>
+          <a:xfrm>
+            <a:off x="3438940" y="3657600"/>
+            <a:ext cx="3448878" cy="2097156"/>
+          </a:xfrm>
+          <a:prstGeom prst="rect">
+            <a:avLst/>
+          </a:prstGeom>
+          <a:noFill/>
+          <a:ln w="25400">
+            <a:solidFill>
+              <a:schemeClr val="accent1"/>
+            </a:solidFill>
+            <a:prstDash val="sysDash"/>
+          </a:ln>
+        </p:spPr>
+        <p:style>
+          <a:lnRef idx="2">
+            <a:schemeClr val="accent1">
+              <a:shade val="50000"/>
+            </a:schemeClr>
+          </a:lnRef>
+          <a:fillRef idx="1">
+            <a:schemeClr val="accent1"/>
+          </a:fillRef>
+          <a:effectRef idx="0">
+            <a:schemeClr val="accent1"/>
+          </a:effectRef>
+          <a:fontRef idx="minor">
+            <a:schemeClr val="lt1"/>
+          </a:fontRef>
+        </p:style>
+        <p:txBody>
+          <a:bodyPr rtlCol="0" anchor="ctr"/>
+          <a:lstStyle/>
+          <a:p>
+            <a:pPr algn="ctr"/>
+            <a:endParaRPr lang="en-US"/>
           </a:p>
         </p:txBody>
       </p:sp>
@@ -3769,6 +5811,13 @@
   <p:clrMapOvr>
     <a:masterClrMapping/>
   </p:clrMapOvr>
+  <p:timing>
+    <p:tnLst>
+      <p:par>
+        <p:cTn id="1" dur="indefinite" restart="never" nodeType="tmRoot"/>
+      </p:par>
+    </p:tnLst>
+  </p:timing>
 </p:sld>
 </file>
 
@@ -3812,22 +5861,100 @@
           </a:p>
         </p:txBody>
       </p:sp>
-      <p:sp>
-        <p:nvSpPr>
-          <p:cNvPr id="3" name="Content Placeholder 2"/>
-          <p:cNvSpPr>
-            <a:spLocks noGrp="1"/>
-          </p:cNvSpPr>
+      <p:pic>
+        <p:nvPicPr>
+          <p:cNvPr id="6" name="Content Placeholder 5"/>
+          <p:cNvPicPr>
+            <a:picLocks noGrp="1" noChangeAspect="1"/>
+          </p:cNvPicPr>
           <p:nvPr>
             <p:ph idx="1"/>
           </p:nvPr>
-        </p:nvSpPr>
-        <p:spPr/>
-        <p:txBody>
-          <a:bodyPr/>
-          <a:lstStyle/>
-          <a:p>
-            <a:endParaRPr lang="en-US" dirty="0"/>
+        </p:nvPicPr>
+        <p:blipFill>
+          <a:blip r:embed="rId2"/>
+          <a:stretch>
+            <a:fillRect/>
+          </a:stretch>
+        </p:blipFill>
+        <p:spPr>
+          <a:xfrm>
+            <a:off x="304800" y="1211717"/>
+            <a:ext cx="5815150" cy="5527422"/>
+          </a:xfrm>
+          <a:prstGeom prst="rect">
+            <a:avLst/>
+          </a:prstGeom>
+        </p:spPr>
+      </p:pic>
+      <p:pic>
+        <p:nvPicPr>
+          <p:cNvPr id="8" name="Picture 7"/>
+          <p:cNvPicPr>
+            <a:picLocks noChangeAspect="1"/>
+          </p:cNvPicPr>
+          <p:nvPr/>
+        </p:nvPicPr>
+        <p:blipFill>
+          <a:blip r:embed="rId3"/>
+          <a:stretch>
+            <a:fillRect/>
+          </a:stretch>
+        </p:blipFill>
+        <p:spPr>
+          <a:xfrm>
+            <a:off x="6208122" y="1243662"/>
+            <a:ext cx="5886001" cy="794143"/>
+          </a:xfrm>
+          <a:prstGeom prst="rect">
+            <a:avLst/>
+          </a:prstGeom>
+        </p:spPr>
+      </p:pic>
+      <p:pic>
+        <p:nvPicPr>
+          <p:cNvPr id="9" name="Picture 8"/>
+          <p:cNvPicPr>
+            <a:picLocks noChangeAspect="1"/>
+          </p:cNvPicPr>
+          <p:nvPr/>
+        </p:nvPicPr>
+        <p:blipFill>
+          <a:blip r:embed="rId4"/>
+          <a:stretch>
+            <a:fillRect/>
+          </a:stretch>
+        </p:blipFill>
+        <p:spPr>
+          <a:xfrm>
+            <a:off x="6305999" y="2569225"/>
+            <a:ext cx="5886001" cy="3137643"/>
+          </a:xfrm>
+          <a:prstGeom prst="rect">
+            <a:avLst/>
+          </a:prstGeom>
+        </p:spPr>
+      </p:pic>
+      <p:sp>
+        <p:nvSpPr>
+          <p:cNvPr id="10" name="Slide Number Placeholder 9"/>
+          <p:cNvSpPr>
+            <a:spLocks noGrp="1"/>
+          </p:cNvSpPr>
+          <p:nvPr>
+            <p:ph type="sldNum" sz="quarter" idx="12"/>
+          </p:nvPr>
+        </p:nvSpPr>
+        <p:spPr/>
+        <p:txBody>
+          <a:bodyPr/>
+          <a:lstStyle/>
+          <a:p>
+            <a:fld id="{84961F39-E58F-487C-8793-A7C1196B364E}" type="slidenum">
+              <a:rPr lang="en-US" smtClean="0"/>
+              <a:t>4</a:t>
+            </a:fld>
+            <a:endParaRPr lang="en-US"/>
           </a:p>
         </p:txBody>
       </p:sp>
@@ -3841,6 +5968,13 @@
   <p:clrMapOvr>
     <a:masterClrMapping/>
   </p:clrMapOvr>
+  <p:timing>
+    <p:tnLst>
+      <p:par>
+        <p:cTn id="1" dur="indefinite" restart="never" nodeType="tmRoot"/>
+      </p:par>
+    </p:tnLst>
+  </p:timing>
 </p:sld>
 </file>
 
@@ -3902,49 +6036,49 @@
             <a:pPr marL="0" indent="0">
               <a:buNone/>
             </a:pPr>
+            <a:endParaRPr lang="en-US" dirty="0" smtClean="0"/>
+          </a:p>
+          <a:p>
+            <a:pPr marL="0" indent="0">
+              <a:buNone/>
+            </a:pPr>
             <a:r>
               <a:rPr lang="en-US" dirty="0" smtClean="0"/>
-              <a:t>To support multiple payment manner, there would be many conditional branches with logic that will invoke different controllers and UI components to perform the task in the </a:t>
-            </a:r>
-            <a:r>
-              <a:rPr lang="en-US" dirty="0" err="1" smtClean="0"/>
-              <a:t>TransactionController</a:t>
-            </a:r>
-            <a:r>
-              <a:rPr lang="en-US" dirty="0" smtClean="0"/>
-              <a:t>.</a:t>
-            </a:r>
+              <a:t>Needs the flexibility of add/changing the behavior of payment method conveniently.</a:t>
+            </a:r>
+            <a:endParaRPr lang="en-US" dirty="0"/>
           </a:p>
           <a:p>
             <a:pPr marL="0" indent="0">
               <a:buNone/>
             </a:pPr>
+            <a:endParaRPr lang="en-US" dirty="0" smtClean="0"/>
+          </a:p>
+          <a:p>
             <a:endParaRPr lang="en-US" dirty="0"/>
           </a:p>
-          <a:p>
-            <a:pPr marL="0" indent="0">
-              <a:buNone/>
-            </a:pPr>
-            <a:r>
-              <a:rPr lang="en-US" dirty="0" smtClean="0"/>
-              <a:t>When it is required that to add or drop an </a:t>
-            </a:r>
-            <a:r>
-              <a:rPr lang="en-US" dirty="0" smtClean="0"/>
-              <a:t>payment manner, the </a:t>
-            </a:r>
-            <a:r>
-              <a:rPr lang="en-US" dirty="0" err="1" smtClean="0"/>
-              <a:t>TransactionController</a:t>
-            </a:r>
-            <a:r>
-              <a:rPr lang="en-US" dirty="0" smtClean="0"/>
-              <a:t> has to be modified.</a:t>
-            </a:r>
-            <a:endParaRPr lang="en-US" dirty="0" smtClean="0"/>
-          </a:p>
-          <a:p>
-            <a:endParaRPr lang="en-US" dirty="0"/>
+        </p:txBody>
+      </p:sp>
+      <p:sp>
+        <p:nvSpPr>
+          <p:cNvPr id="4" name="Slide Number Placeholder 3"/>
+          <p:cNvSpPr>
+            <a:spLocks noGrp="1"/>
+          </p:cNvSpPr>
+          <p:nvPr>
+            <p:ph type="sldNum" sz="quarter" idx="12"/>
+          </p:nvPr>
+        </p:nvSpPr>
+        <p:spPr/>
+        <p:txBody>
+          <a:bodyPr/>
+          <a:lstStyle/>
+          <a:p>
+            <a:fld id="{84961F39-E58F-487C-8793-A7C1196B364E}" type="slidenum">
+              <a:rPr lang="en-US" smtClean="0"/>
+              <a:t>5</a:t>
+            </a:fld>
+            <a:endParaRPr lang="en-US"/>
           </a:p>
         </p:txBody>
       </p:sp>
@@ -3958,6 +6092,13 @@
   <p:clrMapOvr>
     <a:masterClrMapping/>
   </p:clrMapOvr>
+  <p:timing>
+    <p:tnLst>
+      <p:par>
+        <p:cTn id="1" dur="indefinite" restart="never" nodeType="tmRoot"/>
+      </p:par>
+    </p:tnLst>
+  </p:timing>
 </p:sld>
 </file>
 
@@ -4021,76 +6162,94 @@
             </a:pPr>
             <a:r>
               <a:rPr lang="en-US" dirty="0" smtClean="0"/>
-              <a:t>There are few manners customer can choose to make payment and only one will be used in a time.</a:t>
+              <a:t>Strategy</a:t>
             </a:r>
           </a:p>
           <a:p>
             <a:pPr marL="0" indent="0">
               <a:buNone/>
             </a:pPr>
-            <a:r>
-              <a:rPr lang="en-US" dirty="0" smtClean="0">
-                <a:solidFill>
-                  <a:srgbClr val="FF0000"/>
-                </a:solidFill>
-              </a:rPr>
-              <a:t>Algorithmic Dependencies</a:t>
-            </a:r>
-          </a:p>
-          <a:p>
-            <a:r>
-              <a:rPr lang="en-US" dirty="0" smtClean="0">
-                <a:solidFill>
-                  <a:srgbClr val="FF0000"/>
-                </a:solidFill>
-              </a:rPr>
+            <a:endParaRPr lang="en-US" dirty="0"/>
+          </a:p>
+          <a:p>
+            <a:pPr marL="0" indent="0">
+              <a:buNone/>
+            </a:pPr>
+            <a:r>
+              <a:rPr lang="en-US" dirty="0" smtClean="0"/>
+              <a:t>Related pattern from Cause for Redesign</a:t>
+            </a:r>
+          </a:p>
+          <a:p>
+            <a:pPr marL="0" indent="0">
+              <a:buNone/>
+            </a:pPr>
+            <a:r>
+              <a:rPr lang="en-US" dirty="0" smtClean="0"/>
+              <a:t>Algorithmic </a:t>
+            </a:r>
+            <a:r>
+              <a:rPr lang="en-US" dirty="0" smtClean="0"/>
+              <a:t>Dependencies</a:t>
+            </a:r>
+          </a:p>
+          <a:p>
+            <a:r>
+              <a:rPr lang="en-US" dirty="0" smtClean="0"/>
               <a:t>Builder</a:t>
             </a:r>
           </a:p>
           <a:p>
             <a:r>
-              <a:rPr lang="en-US" dirty="0" smtClean="0">
-                <a:solidFill>
-                  <a:srgbClr val="FF0000"/>
-                </a:solidFill>
-              </a:rPr>
+              <a:rPr lang="en-US" dirty="0" smtClean="0"/>
               <a:t>Iterator</a:t>
             </a:r>
           </a:p>
           <a:p>
             <a:r>
-              <a:rPr lang="en-US" dirty="0" smtClean="0">
-                <a:solidFill>
-                  <a:srgbClr val="FF0000"/>
-                </a:solidFill>
-              </a:rPr>
-              <a:t>Strategy</a:t>
-            </a:r>
-          </a:p>
-          <a:p>
-            <a:r>
-              <a:rPr lang="en-US" dirty="0" smtClean="0">
-                <a:solidFill>
-                  <a:srgbClr val="FF0000"/>
-                </a:solidFill>
-              </a:rPr>
-              <a:t>Template Method</a:t>
-            </a:r>
-          </a:p>
-          <a:p>
-            <a:r>
-              <a:rPr lang="en-US" dirty="0" smtClean="0">
-                <a:solidFill>
-                  <a:srgbClr val="FF0000"/>
-                </a:solidFill>
-              </a:rPr>
+              <a:rPr lang="en-US" dirty="0" smtClean="0"/>
+              <a:t>Template </a:t>
+            </a:r>
+            <a:r>
+              <a:rPr lang="en-US" dirty="0" smtClean="0"/>
+              <a:t>Method</a:t>
+            </a:r>
+          </a:p>
+          <a:p>
+            <a:r>
+              <a:rPr lang="en-US" dirty="0" smtClean="0"/>
               <a:t>Visitor</a:t>
             </a:r>
+          </a:p>
+          <a:p>
             <a:endParaRPr lang="en-US" dirty="0">
               <a:solidFill>
                 <a:srgbClr val="FF0000"/>
               </a:solidFill>
             </a:endParaRPr>
+          </a:p>
+        </p:txBody>
+      </p:sp>
+      <p:sp>
+        <p:nvSpPr>
+          <p:cNvPr id="4" name="Slide Number Placeholder 3"/>
+          <p:cNvSpPr>
+            <a:spLocks noGrp="1"/>
+          </p:cNvSpPr>
+          <p:nvPr>
+            <p:ph type="sldNum" sz="quarter" idx="12"/>
+          </p:nvPr>
+        </p:nvSpPr>
+        <p:spPr/>
+        <p:txBody>
+          <a:bodyPr/>
+          <a:lstStyle/>
+          <a:p>
+            <a:fld id="{84961F39-E58F-487C-8793-A7C1196B364E}" type="slidenum">
+              <a:rPr lang="en-US" smtClean="0"/>
+              <a:t>6</a:t>
+            </a:fld>
+            <a:endParaRPr lang="en-US"/>
           </a:p>
         </p:txBody>
       </p:sp>
@@ -4162,6 +6321,68 @@
           <a:bodyPr/>
           <a:lstStyle/>
           <a:p>
+            <a:r>
+              <a:rPr lang="en-US" dirty="0" smtClean="0"/>
+              <a:t>Suits the applicability of Strategy pattern</a:t>
+            </a:r>
+          </a:p>
+          <a:p>
+            <a:r>
+              <a:rPr lang="en-US" dirty="0" smtClean="0"/>
+              <a:t>Consequences of applying it solves the problem</a:t>
+            </a:r>
+          </a:p>
+          <a:p>
+            <a:pPr lvl="1"/>
+            <a:r>
+              <a:rPr lang="en-US" dirty="0"/>
+              <a:t>Families of related </a:t>
+            </a:r>
+            <a:r>
+              <a:rPr lang="en-US" dirty="0" smtClean="0"/>
+              <a:t>algorithms</a:t>
+            </a:r>
+          </a:p>
+          <a:p>
+            <a:pPr lvl="1"/>
+            <a:r>
+              <a:rPr lang="en-US" dirty="0" smtClean="0"/>
+              <a:t>Alternative of </a:t>
+            </a:r>
+            <a:r>
+              <a:rPr lang="en-US" dirty="0" err="1" smtClean="0"/>
+              <a:t>subclassing</a:t>
+            </a:r>
+            <a:endParaRPr lang="en-US" dirty="0" smtClean="0"/>
+          </a:p>
+          <a:p>
+            <a:pPr lvl="1"/>
+            <a:r>
+              <a:rPr lang="en-US" dirty="0" smtClean="0"/>
+              <a:t>Eliminates conditional statements</a:t>
+            </a:r>
+          </a:p>
+        </p:txBody>
+      </p:sp>
+      <p:sp>
+        <p:nvSpPr>
+          <p:cNvPr id="4" name="Slide Number Placeholder 3"/>
+          <p:cNvSpPr>
+            <a:spLocks noGrp="1"/>
+          </p:cNvSpPr>
+          <p:nvPr>
+            <p:ph type="sldNum" sz="quarter" idx="12"/>
+          </p:nvPr>
+        </p:nvSpPr>
+        <p:spPr/>
+        <p:txBody>
+          <a:bodyPr/>
+          <a:lstStyle/>
+          <a:p>
+            <a:fld id="{84961F39-E58F-487C-8793-A7C1196B364E}" type="slidenum">
+              <a:rPr lang="en-US" smtClean="0"/>
+              <a:t>7</a:t>
+            </a:fld>
             <a:endParaRPr lang="en-US"/>
           </a:p>
         </p:txBody>
@@ -4176,6 +6397,13 @@
   <p:clrMapOvr>
     <a:masterClrMapping/>
   </p:clrMapOvr>
+  <p:timing>
+    <p:tnLst>
+      <p:par>
+        <p:cTn id="1" dur="indefinite" restart="never" nodeType="tmRoot"/>
+      </p:par>
+    </p:tnLst>
+  </p:timing>
 </p:sld>
 </file>
 
@@ -4206,14 +6434,19 @@
             <p:ph type="title"/>
           </p:nvPr>
         </p:nvSpPr>
-        <p:spPr/>
+        <p:spPr>
+          <a:xfrm>
+            <a:off x="712039" y="256032"/>
+            <a:ext cx="10058400" cy="1609344"/>
+          </a:xfrm>
+        </p:spPr>
         <p:txBody>
           <a:bodyPr/>
           <a:lstStyle/>
           <a:p>
             <a:r>
               <a:rPr lang="en-US" dirty="0" smtClean="0"/>
-              <a:t>Class</a:t>
+              <a:t>Class Diagram</a:t>
             </a:r>
             <a:endParaRPr lang="en-US" dirty="0"/>
           </a:p>
@@ -4221,20 +6454,95 @@
       </p:sp>
       <p:sp>
         <p:nvSpPr>
-          <p:cNvPr id="3" name="Content Placeholder 2"/>
-          <p:cNvSpPr>
-            <a:spLocks noGrp="1"/>
-          </p:cNvSpPr>
-          <p:nvPr>
-            <p:ph idx="1"/>
-          </p:nvPr>
-        </p:nvSpPr>
-        <p:spPr/>
-        <p:txBody>
-          <a:bodyPr/>
-          <a:lstStyle/>
-          <a:p>
-            <a:endParaRPr lang="en-US" dirty="0"/>
+          <p:cNvPr id="7" name="Slide Number Placeholder 6"/>
+          <p:cNvSpPr>
+            <a:spLocks noGrp="1"/>
+          </p:cNvSpPr>
+          <p:nvPr>
+            <p:ph type="sldNum" sz="quarter" idx="12"/>
+          </p:nvPr>
+        </p:nvSpPr>
+        <p:spPr/>
+        <p:txBody>
+          <a:bodyPr/>
+          <a:lstStyle/>
+          <a:p>
+            <a:fld id="{84961F39-E58F-487C-8793-A7C1196B364E}" type="slidenum">
+              <a:rPr lang="en-US" smtClean="0"/>
+              <a:t>8</a:t>
+            </a:fld>
+            <a:endParaRPr lang="en-US"/>
+          </a:p>
+        </p:txBody>
+      </p:sp>
+      <p:pic>
+        <p:nvPicPr>
+          <p:cNvPr id="10" name="Picture 9"/>
+          <p:cNvPicPr>
+            <a:picLocks noChangeAspect="1"/>
+          </p:cNvPicPr>
+          <p:nvPr/>
+        </p:nvPicPr>
+        <p:blipFill>
+          <a:blip r:embed="rId2"/>
+          <a:stretch>
+            <a:fillRect/>
+          </a:stretch>
+        </p:blipFill>
+        <p:spPr>
+          <a:xfrm>
+            <a:off x="790574" y="1514585"/>
+            <a:ext cx="5878581" cy="5223490"/>
+          </a:xfrm>
+          <a:prstGeom prst="rect">
+            <a:avLst/>
+          </a:prstGeom>
+        </p:spPr>
+      </p:pic>
+      <p:sp>
+        <p:nvSpPr>
+          <p:cNvPr id="11" name="Rectangle 10"/>
+          <p:cNvSpPr/>
+          <p:nvPr/>
+        </p:nvSpPr>
+        <p:spPr>
+          <a:xfrm>
+            <a:off x="1948069" y="3906078"/>
+            <a:ext cx="3190461" cy="1948070"/>
+          </a:xfrm>
+          <a:prstGeom prst="rect">
+            <a:avLst/>
+          </a:prstGeom>
+          <a:noFill/>
+          <a:ln w="25400">
+            <a:solidFill>
+              <a:schemeClr val="accent1"/>
+            </a:solidFill>
+            <a:prstDash val="sysDash"/>
+          </a:ln>
+        </p:spPr>
+        <p:style>
+          <a:lnRef idx="2">
+            <a:schemeClr val="accent1">
+              <a:shade val="50000"/>
+            </a:schemeClr>
+          </a:lnRef>
+          <a:fillRef idx="1">
+            <a:schemeClr val="accent1"/>
+          </a:fillRef>
+          <a:effectRef idx="0">
+            <a:schemeClr val="accent1"/>
+          </a:effectRef>
+          <a:fontRef idx="minor">
+            <a:schemeClr val="lt1"/>
+          </a:fontRef>
+        </p:style>
+        <p:txBody>
+          <a:bodyPr rtlCol="0" anchor="ctr"/>
+          <a:lstStyle/>
+          <a:p>
+            <a:pPr algn="ctr"/>
+            <a:endParaRPr lang="en-US"/>
           </a:p>
         </p:txBody>
       </p:sp>
@@ -4248,6 +6556,13 @@
   <p:clrMapOvr>
     <a:masterClrMapping/>
   </p:clrMapOvr>
+  <p:timing>
+    <p:tnLst>
+      <p:par>
+        <p:cTn id="1" dur="indefinite" restart="never" nodeType="tmRoot"/>
+      </p:par>
+    </p:tnLst>
+  </p:timing>
 </p:sld>
 </file>
 
@@ -4278,34 +6593,76 @@
             <p:ph type="title"/>
           </p:nvPr>
         </p:nvSpPr>
-        <p:spPr/>
-        <p:txBody>
-          <a:bodyPr/>
+        <p:spPr>
+          <a:xfrm>
+            <a:off x="869551" y="1224860"/>
+            <a:ext cx="10058400" cy="1609344"/>
+          </a:xfrm>
+        </p:spPr>
+        <p:txBody>
+          <a:bodyPr>
+            <a:normAutofit/>
+          </a:bodyPr>
           <a:lstStyle/>
           <a:p>
             <a:r>
               <a:rPr lang="en-US" dirty="0" smtClean="0"/>
               <a:t>Sequence</a:t>
             </a:r>
+            <a:br>
+              <a:rPr lang="en-US" dirty="0" smtClean="0"/>
+            </a:br>
+            <a:r>
+              <a:rPr lang="en-US" dirty="0" smtClean="0"/>
+              <a:t>diagram</a:t>
+            </a:r>
             <a:endParaRPr lang="en-US" dirty="0"/>
           </a:p>
         </p:txBody>
       </p:sp>
-      <p:sp>
-        <p:nvSpPr>
-          <p:cNvPr id="3" name="Content Placeholder 2"/>
-          <p:cNvSpPr>
-            <a:spLocks noGrp="1"/>
-          </p:cNvSpPr>
-          <p:nvPr>
-            <p:ph idx="1"/>
-          </p:nvPr>
-        </p:nvSpPr>
-        <p:spPr/>
-        <p:txBody>
-          <a:bodyPr/>
-          <a:lstStyle/>
-          <a:p>
+      <p:pic>
+        <p:nvPicPr>
+          <p:cNvPr id="4" name="Picture 3"/>
+          <p:cNvPicPr>
+            <a:picLocks noChangeAspect="1"/>
+          </p:cNvPicPr>
+          <p:nvPr/>
+        </p:nvPicPr>
+        <p:blipFill>
+          <a:blip r:embed="rId2"/>
+          <a:stretch>
+            <a:fillRect/>
+          </a:stretch>
+        </p:blipFill>
+        <p:spPr>
+          <a:xfrm>
+            <a:off x="3925933" y="0"/>
+            <a:ext cx="6564637" cy="6889160"/>
+          </a:xfrm>
+          <a:prstGeom prst="rect">
+            <a:avLst/>
+          </a:prstGeom>
+        </p:spPr>
+      </p:pic>
+      <p:sp>
+        <p:nvSpPr>
+          <p:cNvPr id="5" name="Slide Number Placeholder 4"/>
+          <p:cNvSpPr>
+            <a:spLocks noGrp="1"/>
+          </p:cNvSpPr>
+          <p:nvPr>
+            <p:ph type="sldNum" sz="quarter" idx="12"/>
+          </p:nvPr>
+        </p:nvSpPr>
+        <p:spPr/>
+        <p:txBody>
+          <a:bodyPr/>
+          <a:lstStyle/>
+          <a:p>
+            <a:fld id="{84961F39-E58F-487C-8793-A7C1196B364E}" type="slidenum">
+              <a:rPr lang="en-US" smtClean="0"/>
+              <a:t>9</a:t>
+            </a:fld>
             <a:endParaRPr lang="en-US"/>
           </a:p>
         </p:txBody>
@@ -4320,10 +6677,246 @@
   <p:clrMapOvr>
     <a:masterClrMapping/>
   </p:clrMapOvr>
+  <p:timing>
+    <p:tnLst>
+      <p:par>
+        <p:cTn id="1" dur="indefinite" restart="never" nodeType="tmRoot"/>
+      </p:par>
+    </p:tnLst>
+  </p:timing>
 </p:sld>
 </file>
 
 <file path=ppt/theme/theme1.xml><?xml version="1.0" encoding="utf-8"?>
+<a:theme xmlns:a="http://schemas.openxmlformats.org/drawingml/2006/main" name="Wood Type">
+  <a:themeElements>
+    <a:clrScheme name="Wood Type">
+      <a:dk1>
+        <a:sysClr val="windowText" lastClr="000000"/>
+      </a:dk1>
+      <a:lt1>
+        <a:sysClr val="window" lastClr="FFFFFF"/>
+      </a:lt1>
+      <a:dk2>
+        <a:srgbClr val="696464"/>
+      </a:dk2>
+      <a:lt2>
+        <a:srgbClr val="E9E5DC"/>
+      </a:lt2>
+      <a:accent1>
+        <a:srgbClr val="D34817"/>
+      </a:accent1>
+      <a:accent2>
+        <a:srgbClr val="9B2D1F"/>
+      </a:accent2>
+      <a:accent3>
+        <a:srgbClr val="A28E6A"/>
+      </a:accent3>
+      <a:accent4>
+        <a:srgbClr val="956251"/>
+      </a:accent4>
+      <a:accent5>
+        <a:srgbClr val="918485"/>
+      </a:accent5>
+      <a:accent6>
+        <a:srgbClr val="855D5D"/>
+      </a:accent6>
+      <a:hlink>
+        <a:srgbClr val="CC9900"/>
+      </a:hlink>
+      <a:folHlink>
+        <a:srgbClr val="96A9A9"/>
+      </a:folHlink>
+    </a:clrScheme>
+    <a:fontScheme name="Wood Type">
+      <a:majorFont>
+        <a:latin typeface="Rockwell Condensed" panose="02060603050405020104"/>
+        <a:ea typeface=""/>
+        <a:cs typeface=""/>
+        <a:font script="Grek" typeface="Cambria"/>
+        <a:font script="Cyrl" typeface="Cambria"/>
+        <a:font script="Jpan" typeface="HG明朝B"/>
+        <a:font script="Hang" typeface="바탕"/>
+        <a:font script="Hans" typeface="方正姚体"/>
+        <a:font script="Hant" typeface="微軟正黑體"/>
+        <a:font script="Arab" typeface="Times New Roman"/>
+        <a:font script="Hebr" typeface="David"/>
+        <a:font script="Thai" typeface="JasmineUPC"/>
+        <a:font script="Ethi" typeface="Nyala"/>
+        <a:font script="Beng" typeface="Vrinda"/>
+        <a:font script="Gujr" typeface="Shruti"/>
+        <a:font script="Khmr" typeface="MoolBoran"/>
+        <a:font script="Knda" typeface="Tunga"/>
+        <a:font script="Guru" typeface="Raavi"/>
+        <a:font script="Cans" typeface="Euphemia"/>
+        <a:font script="Cher" typeface="Plantagenet Cherokee"/>
+        <a:font script="Yiii" typeface="Microsoft Yi Baiti"/>
+        <a:font script="Tibt" typeface="Microsoft Himalaya"/>
+        <a:font script="Thaa" typeface="MV Boli"/>
+        <a:font script="Deva" typeface="Mangal"/>
+        <a:font script="Telu" typeface="Gautami"/>
+        <a:font script="Taml" typeface="Latha"/>
+        <a:font script="Syrc" typeface="Estrangelo Edessa"/>
+        <a:font script="Orya" typeface="Kalinga"/>
+        <a:font script="Mlym" typeface="Kartika"/>
+        <a:font script="Laoo" typeface="DokChampa"/>
+        <a:font script="Sinh" typeface="Iskoola Pota"/>
+        <a:font script="Mong" typeface="Mongolian Baiti"/>
+        <a:font script="Viet" typeface="Arial"/>
+        <a:font script="Uigh" typeface="Microsoft Uighur"/>
+      </a:majorFont>
+      <a:minorFont>
+        <a:latin typeface="Rockwell" panose="02060603020205020403"/>
+        <a:ea typeface=""/>
+        <a:cs typeface=""/>
+        <a:font script="Grek" typeface="Cambria"/>
+        <a:font script="Cyrl" typeface="Cambria"/>
+        <a:font script="Jpan" typeface="HG明朝B"/>
+        <a:font script="Hang" typeface="바탕"/>
+        <a:font script="Hans" typeface="方正姚体"/>
+        <a:font script="Hant" typeface="標楷體"/>
+        <a:font script="Arab" typeface="Times New Roman"/>
+        <a:font script="Hebr" typeface="David"/>
+        <a:font script="Thai" typeface="JasmineUPC"/>
+        <a:font script="Ethi" typeface="Nyala"/>
+        <a:font script="Beng" typeface="Vrinda"/>
+        <a:font script="Gujr" typeface="Shruti"/>
+        <a:font script="Khmr" typeface="MoolBoran"/>
+        <a:font script="Knda" typeface="Tunga"/>
+        <a:font script="Guru" typeface="Raavi"/>
+        <a:font script="Cans" typeface="Euphemia"/>
+        <a:font script="Cher" typeface="Plantagenet Cherokee"/>
+        <a:font script="Yiii" typeface="Microsoft Yi Baiti"/>
+        <a:font script="Tibt" typeface="Microsoft Himalaya"/>
+        <a:font script="Thaa" typeface="MV Boli"/>
+        <a:font script="Deva" typeface="Mangal"/>
+        <a:font script="Telu" typeface="Gautami"/>
+        <a:font script="Taml" typeface="Latha"/>
+        <a:font script="Syrc" typeface="Estrangelo Edessa"/>
+        <a:font script="Orya" typeface="Kalinga"/>
+        <a:font script="Mlym" typeface="Kartika"/>
+        <a:font script="Laoo" typeface="DokChampa"/>
+        <a:font script="Sinh" typeface="Iskoola Pota"/>
+        <a:font script="Mong" typeface="Mongolian Baiti"/>
+        <a:font script="Viet" typeface="Times New Roman"/>
+        <a:font script="Uigh" typeface="Microsoft Uighur"/>
+      </a:minorFont>
+    </a:fontScheme>
+    <a:fmtScheme name="Wood Type">
+      <a:fillStyleLst>
+        <a:solidFill>
+          <a:schemeClr val="phClr"/>
+        </a:solidFill>
+        <a:blipFill rotWithShape="1">
+          <a:blip xmlns:r="http://schemas.openxmlformats.org/officeDocument/2006/relationships" r:embed="rId1">
+            <a:duotone>
+              <a:schemeClr val="phClr">
+                <a:tint val="70000"/>
+                <a:shade val="63000"/>
+              </a:schemeClr>
+              <a:schemeClr val="phClr">
+                <a:tint val="10000"/>
+                <a:satMod val="150000"/>
+              </a:schemeClr>
+            </a:duotone>
+          </a:blip>
+          <a:tile tx="0" ty="0" sx="60000" sy="59000" flip="none" algn="tl"/>
+        </a:blipFill>
+        <a:blipFill rotWithShape="1">
+          <a:blip xmlns:r="http://schemas.openxmlformats.org/officeDocument/2006/relationships" r:embed="rId1">
+            <a:duotone>
+              <a:schemeClr val="phClr">
+                <a:shade val="36000"/>
+                <a:satMod val="120000"/>
+              </a:schemeClr>
+              <a:schemeClr val="phClr">
+                <a:tint val="40000"/>
+              </a:schemeClr>
+            </a:duotone>
+          </a:blip>
+          <a:tile tx="0" ty="0" sx="60000" sy="59000" flip="none" algn="tl"/>
+        </a:blipFill>
+      </a:fillStyleLst>
+      <a:lnStyleLst>
+        <a:ln w="6350" cap="flat" cmpd="sng" algn="ctr">
+          <a:solidFill>
+            <a:schemeClr val="phClr"/>
+          </a:solidFill>
+          <a:prstDash val="solid"/>
+        </a:ln>
+        <a:ln w="12700" cap="flat" cmpd="sng" algn="ctr">
+          <a:solidFill>
+            <a:schemeClr val="phClr"/>
+          </a:solidFill>
+          <a:prstDash val="solid"/>
+        </a:ln>
+        <a:ln w="19050" cap="flat" cmpd="sng" algn="ctr">
+          <a:solidFill>
+            <a:schemeClr val="phClr"/>
+          </a:solidFill>
+          <a:prstDash val="solid"/>
+        </a:ln>
+      </a:lnStyleLst>
+      <a:effectStyleLst>
+        <a:effectStyle>
+          <a:effectLst/>
+        </a:effectStyle>
+        <a:effectStyle>
+          <a:effectLst>
+            <a:softEdge rad="12700"/>
+          </a:effectLst>
+        </a:effectStyle>
+        <a:effectStyle>
+          <a:effectLst>
+            <a:outerShdw blurRad="50800" dist="19050" dir="5400000" algn="tl" rotWithShape="0">
+              <a:srgbClr val="000000">
+                <a:alpha val="60000"/>
+              </a:srgbClr>
+            </a:outerShdw>
+            <a:softEdge rad="12700"/>
+          </a:effectLst>
+        </a:effectStyle>
+      </a:effectStyleLst>
+      <a:bgFillStyleLst>
+        <a:solidFill>
+          <a:schemeClr val="phClr"/>
+        </a:solidFill>
+        <a:solidFill>
+          <a:schemeClr val="phClr">
+            <a:shade val="97000"/>
+            <a:satMod val="150000"/>
+          </a:schemeClr>
+        </a:solidFill>
+        <a:blipFill rotWithShape="1">
+          <a:blip xmlns:r="http://schemas.openxmlformats.org/officeDocument/2006/relationships" r:embed="rId1">
+            <a:duotone>
+              <a:schemeClr val="phClr">
+                <a:tint val="75000"/>
+                <a:shade val="58000"/>
+                <a:satMod val="120000"/>
+              </a:schemeClr>
+              <a:schemeClr val="phClr">
+                <a:tint val="50000"/>
+                <a:shade val="96000"/>
+              </a:schemeClr>
+            </a:duotone>
+          </a:blip>
+          <a:tile tx="0" ty="0" sx="100000" sy="100000" flip="none" algn="tl"/>
+        </a:blipFill>
+      </a:bgFillStyleLst>
+    </a:fmtScheme>
+  </a:themeElements>
+  <a:objectDefaults/>
+  <a:extraClrSchemeLst/>
+  <a:extLst>
+    <a:ext uri="{05A4C25C-085E-4340-85A3-A5531E510DB2}">
+      <thm15:themeFamily xmlns:thm15="http://schemas.microsoft.com/office/thememl/2012/main" name="Wood Type" id="{7ACABC62-BF99-48CF-A9DC-4DB89C7B13DC}" vid="{142A1326-48AB-42A9-8428-CB14AA30176D}"/>
+    </a:ext>
+  </a:extLst>
+</a:theme>
+</file>
+
+<file path=ppt/theme/theme2.xml><?xml version="1.0" encoding="utf-8"?>
 <a:theme xmlns:a="http://schemas.openxmlformats.org/drawingml/2006/main" name="Office Theme">
   <a:themeElements>
     <a:clrScheme name="Office">
